--- a/prezentare-mds.pptx
+++ b/prezentare-mds.pptx
@@ -9,6 +9,7 @@
     <p:sldId id="257" r:id="rId3"/>
     <p:sldId id="259" r:id="rId4"/>
     <p:sldId id="260" r:id="rId5"/>
+    <p:sldId id="261" r:id="rId6"/>
   </p:sldIdLst>
   <p:sldSz cx="12192000" cy="6858000"/>
   <p:notesSz cx="6858000" cy="9144000"/>
@@ -156,7 +157,7 @@
               <a:avLst/>
             </a:prstGeom>
             <a:blipFill>
-              <a:blip r:embed="rId2">
+              <a:blip r:embed="rId2" cstate="print">
                 <a:duotone>
                   <a:schemeClr val="dk2">
                     <a:shade val="69000"/>
@@ -445,6 +446,7 @@
           <a:p>
             <a:fld id="{89A0AB9F-FDD7-4756-9F17-22BE24D093EB}" type="datetimeFigureOut">
               <a:rPr lang="en-US" smtClean="0"/>
+              <a:pPr/>
               <a:t>5/27/2017</a:t>
             </a:fld>
             <a:endParaRPr lang="en-US"/>
@@ -543,6 +545,7 @@
           <a:p>
             <a:fld id="{77EEA759-E6EF-4DBF-B282-FD9AFD81043A}" type="slidenum">
               <a:rPr lang="en-US" smtClean="0"/>
+              <a:pPr/>
               <a:t>‹#›</a:t>
             </a:fld>
             <a:endParaRPr lang="en-US"/>
@@ -552,7 +555,7 @@
     </p:spTree>
     <p:extLst>
       <p:ext uri="{BB962C8B-B14F-4D97-AF65-F5344CB8AC3E}">
-        <p14:creationId xmlns:p14="http://schemas.microsoft.com/office/powerpoint/2010/main" val="4145603928"/>
+        <p14:creationId xmlns:p14="http://schemas.microsoft.com/office/powerpoint/2010/main" xmlns="" val="4145603928"/>
       </p:ext>
     </p:extLst>
   </p:cSld>
@@ -608,7 +611,7 @@
               <a:avLst/>
             </a:prstGeom>
             <a:blipFill>
-              <a:blip r:embed="rId2">
+              <a:blip r:embed="rId2" cstate="print">
                 <a:duotone>
                   <a:schemeClr val="dk2">
                     <a:shade val="69000"/>
@@ -1533,6 +1536,7 @@
           <a:p>
             <a:fld id="{89A0AB9F-FDD7-4756-9F17-22BE24D093EB}" type="datetimeFigureOut">
               <a:rPr lang="en-US" smtClean="0"/>
+              <a:pPr/>
               <a:t>5/27/2017</a:t>
             </a:fld>
             <a:endParaRPr lang="en-US"/>
@@ -1611,6 +1615,7 @@
           <a:p>
             <a:fld id="{77EEA759-E6EF-4DBF-B282-FD9AFD81043A}" type="slidenum">
               <a:rPr lang="en-US" smtClean="0"/>
+              <a:pPr/>
               <a:t>‹#›</a:t>
             </a:fld>
             <a:endParaRPr lang="en-US"/>
@@ -1620,7 +1625,7 @@
     </p:spTree>
     <p:extLst>
       <p:ext uri="{BB962C8B-B14F-4D97-AF65-F5344CB8AC3E}">
-        <p14:creationId xmlns:p14="http://schemas.microsoft.com/office/powerpoint/2010/main" val="707468474"/>
+        <p14:creationId xmlns:p14="http://schemas.microsoft.com/office/powerpoint/2010/main" xmlns="" val="707468474"/>
       </p:ext>
     </p:extLst>
   </p:cSld>
@@ -1676,7 +1681,7 @@
               <a:avLst/>
             </a:prstGeom>
             <a:blipFill>
-              <a:blip r:embed="rId2">
+              <a:blip r:embed="rId2" cstate="print">
                 <a:duotone>
                   <a:schemeClr val="dk2">
                     <a:shade val="69000"/>
@@ -2513,6 +2518,7 @@
           <a:p>
             <a:fld id="{89A0AB9F-FDD7-4756-9F17-22BE24D093EB}" type="datetimeFigureOut">
               <a:rPr lang="en-US" smtClean="0"/>
+              <a:pPr/>
               <a:t>5/27/2017</a:t>
             </a:fld>
             <a:endParaRPr lang="en-US"/>
@@ -2591,6 +2597,7 @@
           <a:p>
             <a:fld id="{77EEA759-E6EF-4DBF-B282-FD9AFD81043A}" type="slidenum">
               <a:rPr lang="en-US" smtClean="0"/>
+              <a:pPr/>
               <a:t>‹#›</a:t>
             </a:fld>
             <a:endParaRPr lang="en-US"/>
@@ -2600,7 +2607,7 @@
     </p:spTree>
     <p:extLst>
       <p:ext uri="{BB962C8B-B14F-4D97-AF65-F5344CB8AC3E}">
-        <p14:creationId xmlns:p14="http://schemas.microsoft.com/office/powerpoint/2010/main" val="1059615992"/>
+        <p14:creationId xmlns:p14="http://schemas.microsoft.com/office/powerpoint/2010/main" xmlns="" val="1059615992"/>
       </p:ext>
     </p:extLst>
   </p:cSld>
@@ -2656,7 +2663,7 @@
               <a:avLst/>
             </a:prstGeom>
             <a:blipFill>
-              <a:blip r:embed="rId2">
+              <a:blip r:embed="rId2" cstate="print">
                 <a:duotone>
                   <a:schemeClr val="dk2">
                     <a:shade val="69000"/>
@@ -3647,6 +3654,7 @@
           <a:p>
             <a:fld id="{89A0AB9F-FDD7-4756-9F17-22BE24D093EB}" type="datetimeFigureOut">
               <a:rPr lang="en-US" smtClean="0"/>
+              <a:pPr/>
               <a:t>5/27/2017</a:t>
             </a:fld>
             <a:endParaRPr lang="en-US"/>
@@ -3725,6 +3733,7 @@
           <a:p>
             <a:fld id="{77EEA759-E6EF-4DBF-B282-FD9AFD81043A}" type="slidenum">
               <a:rPr lang="en-US" smtClean="0"/>
+              <a:pPr/>
               <a:t>‹#›</a:t>
             </a:fld>
             <a:endParaRPr lang="en-US"/>
@@ -3734,7 +3743,7 @@
     </p:spTree>
     <p:extLst>
       <p:ext uri="{BB962C8B-B14F-4D97-AF65-F5344CB8AC3E}">
-        <p14:creationId xmlns:p14="http://schemas.microsoft.com/office/powerpoint/2010/main" val="277674528"/>
+        <p14:creationId xmlns:p14="http://schemas.microsoft.com/office/powerpoint/2010/main" xmlns="" val="277674528"/>
       </p:ext>
     </p:extLst>
   </p:cSld>
@@ -3790,7 +3799,7 @@
               <a:avLst/>
             </a:prstGeom>
             <a:blipFill>
-              <a:blip r:embed="rId2">
+              <a:blip r:embed="rId2" cstate="print">
                 <a:duotone>
                   <a:schemeClr val="dk2">
                     <a:shade val="69000"/>
@@ -4680,6 +4689,7 @@
           <a:p>
             <a:fld id="{89A0AB9F-FDD7-4756-9F17-22BE24D093EB}" type="datetimeFigureOut">
               <a:rPr lang="en-US" smtClean="0"/>
+              <a:pPr/>
               <a:t>5/27/2017</a:t>
             </a:fld>
             <a:endParaRPr lang="en-US"/>
@@ -4758,6 +4768,7 @@
           <a:p>
             <a:fld id="{77EEA759-E6EF-4DBF-B282-FD9AFD81043A}" type="slidenum">
               <a:rPr lang="en-US" smtClean="0"/>
+              <a:pPr/>
               <a:t>‹#›</a:t>
             </a:fld>
             <a:endParaRPr lang="en-US"/>
@@ -4767,7 +4778,7 @@
     </p:spTree>
     <p:extLst>
       <p:ext uri="{BB962C8B-B14F-4D97-AF65-F5344CB8AC3E}">
-        <p14:creationId xmlns:p14="http://schemas.microsoft.com/office/powerpoint/2010/main" val="2085212053"/>
+        <p14:creationId xmlns:p14="http://schemas.microsoft.com/office/powerpoint/2010/main" xmlns="" val="2085212053"/>
       </p:ext>
     </p:extLst>
   </p:cSld>
@@ -5340,6 +5351,7 @@
           <a:p>
             <a:fld id="{89A0AB9F-FDD7-4756-9F17-22BE24D093EB}" type="datetimeFigureOut">
               <a:rPr lang="en-US" smtClean="0"/>
+              <a:pPr/>
               <a:t>5/27/2017</a:t>
             </a:fld>
             <a:endParaRPr lang="en-US"/>
@@ -5382,6 +5394,7 @@
           <a:p>
             <a:fld id="{77EEA759-E6EF-4DBF-B282-FD9AFD81043A}" type="slidenum">
               <a:rPr lang="en-US" smtClean="0"/>
+              <a:pPr/>
               <a:t>‹#›</a:t>
             </a:fld>
             <a:endParaRPr lang="en-US"/>
@@ -5391,7 +5404,7 @@
     </p:spTree>
     <p:extLst>
       <p:ext uri="{BB962C8B-B14F-4D97-AF65-F5344CB8AC3E}">
-        <p14:creationId xmlns:p14="http://schemas.microsoft.com/office/powerpoint/2010/main" val="390712049"/>
+        <p14:creationId xmlns:p14="http://schemas.microsoft.com/office/powerpoint/2010/main" xmlns="" val="390712049"/>
       </p:ext>
     </p:extLst>
   </p:cSld>
@@ -6201,6 +6214,7 @@
           <a:p>
             <a:fld id="{89A0AB9F-FDD7-4756-9F17-22BE24D093EB}" type="datetimeFigureOut">
               <a:rPr lang="en-US" smtClean="0"/>
+              <a:pPr/>
               <a:t>5/27/2017</a:t>
             </a:fld>
             <a:endParaRPr lang="en-US"/>
@@ -6248,6 +6262,7 @@
           <a:p>
             <a:fld id="{77EEA759-E6EF-4DBF-B282-FD9AFD81043A}" type="slidenum">
               <a:rPr lang="en-US" smtClean="0"/>
+              <a:pPr/>
               <a:t>‹#›</a:t>
             </a:fld>
             <a:endParaRPr lang="en-US"/>
@@ -6257,7 +6272,7 @@
     </p:spTree>
     <p:extLst>
       <p:ext uri="{BB962C8B-B14F-4D97-AF65-F5344CB8AC3E}">
-        <p14:creationId xmlns:p14="http://schemas.microsoft.com/office/powerpoint/2010/main" val="2729455114"/>
+        <p14:creationId xmlns:p14="http://schemas.microsoft.com/office/powerpoint/2010/main" xmlns="" val="2729455114"/>
       </p:ext>
     </p:extLst>
   </p:cSld>
@@ -6391,6 +6406,7 @@
           <a:p>
             <a:fld id="{89A0AB9F-FDD7-4756-9F17-22BE24D093EB}" type="datetimeFigureOut">
               <a:rPr lang="en-US" smtClean="0"/>
+              <a:pPr/>
               <a:t>5/27/2017</a:t>
             </a:fld>
             <a:endParaRPr lang="en-US"/>
@@ -6433,6 +6449,7 @@
           <a:p>
             <a:fld id="{77EEA759-E6EF-4DBF-B282-FD9AFD81043A}" type="slidenum">
               <a:rPr lang="en-US" smtClean="0"/>
+              <a:pPr/>
               <a:t>‹#›</a:t>
             </a:fld>
             <a:endParaRPr lang="en-US"/>
@@ -6442,7 +6459,7 @@
     </p:spTree>
     <p:extLst>
       <p:ext uri="{BB962C8B-B14F-4D97-AF65-F5344CB8AC3E}">
-        <p14:creationId xmlns:p14="http://schemas.microsoft.com/office/powerpoint/2010/main" val="3833408299"/>
+        <p14:creationId xmlns:p14="http://schemas.microsoft.com/office/powerpoint/2010/main" xmlns="" val="3833408299"/>
       </p:ext>
     </p:extLst>
   </p:cSld>
@@ -6498,7 +6515,7 @@
               <a:avLst/>
             </a:prstGeom>
             <a:blipFill>
-              <a:blip r:embed="rId2">
+              <a:blip r:embed="rId2" cstate="print">
                 <a:duotone>
                   <a:schemeClr val="dk2">
                     <a:shade val="69000"/>
@@ -7363,6 +7380,7 @@
           <a:p>
             <a:fld id="{89A0AB9F-FDD7-4756-9F17-22BE24D093EB}" type="datetimeFigureOut">
               <a:rPr lang="en-US" smtClean="0"/>
+              <a:pPr/>
               <a:t>5/27/2017</a:t>
             </a:fld>
             <a:endParaRPr lang="en-US"/>
@@ -7441,6 +7459,7 @@
           <a:p>
             <a:fld id="{77EEA759-E6EF-4DBF-B282-FD9AFD81043A}" type="slidenum">
               <a:rPr lang="en-US" smtClean="0"/>
+              <a:pPr/>
               <a:t>‹#›</a:t>
             </a:fld>
             <a:endParaRPr lang="en-US"/>
@@ -7450,7 +7469,7 @@
     </p:spTree>
     <p:extLst>
       <p:ext uri="{BB962C8B-B14F-4D97-AF65-F5344CB8AC3E}">
-        <p14:creationId xmlns:p14="http://schemas.microsoft.com/office/powerpoint/2010/main" val="354694592"/>
+        <p14:creationId xmlns:p14="http://schemas.microsoft.com/office/powerpoint/2010/main" xmlns="" val="354694592"/>
       </p:ext>
     </p:extLst>
   </p:cSld>
@@ -7574,6 +7593,7 @@
           <a:p>
             <a:fld id="{89A0AB9F-FDD7-4756-9F17-22BE24D093EB}" type="datetimeFigureOut">
               <a:rPr lang="en-US" smtClean="0"/>
+              <a:pPr/>
               <a:t>5/27/2017</a:t>
             </a:fld>
             <a:endParaRPr lang="en-US"/>
@@ -7616,6 +7636,7 @@
           <a:p>
             <a:fld id="{77EEA759-E6EF-4DBF-B282-FD9AFD81043A}" type="slidenum">
               <a:rPr lang="en-US" smtClean="0"/>
+              <a:pPr/>
               <a:t>‹#›</a:t>
             </a:fld>
             <a:endParaRPr lang="en-US"/>
@@ -7625,7 +7646,7 @@
     </p:spTree>
     <p:extLst>
       <p:ext uri="{BB962C8B-B14F-4D97-AF65-F5344CB8AC3E}">
-        <p14:creationId xmlns:p14="http://schemas.microsoft.com/office/powerpoint/2010/main" val="295202953"/>
+        <p14:creationId xmlns:p14="http://schemas.microsoft.com/office/powerpoint/2010/main" xmlns="" val="295202953"/>
       </p:ext>
     </p:extLst>
   </p:cSld>
@@ -7681,7 +7702,7 @@
               <a:avLst/>
             </a:prstGeom>
             <a:blipFill>
-              <a:blip r:embed="rId2">
+              <a:blip r:embed="rId2" cstate="print">
                 <a:duotone>
                   <a:schemeClr val="dk2">
                     <a:shade val="69000"/>
@@ -8608,6 +8629,7 @@
           <a:p>
             <a:fld id="{89A0AB9F-FDD7-4756-9F17-22BE24D093EB}" type="datetimeFigureOut">
               <a:rPr lang="en-US" smtClean="0"/>
+              <a:pPr/>
               <a:t>5/27/2017</a:t>
             </a:fld>
             <a:endParaRPr lang="en-US"/>
@@ -8686,6 +8708,7 @@
           <a:p>
             <a:fld id="{77EEA759-E6EF-4DBF-B282-FD9AFD81043A}" type="slidenum">
               <a:rPr lang="en-US" smtClean="0"/>
+              <a:pPr/>
               <a:t>‹#›</a:t>
             </a:fld>
             <a:endParaRPr lang="en-US"/>
@@ -8695,7 +8718,7 @@
     </p:spTree>
     <p:extLst>
       <p:ext uri="{BB962C8B-B14F-4D97-AF65-F5344CB8AC3E}">
-        <p14:creationId xmlns:p14="http://schemas.microsoft.com/office/powerpoint/2010/main" val="1786012200"/>
+        <p14:creationId xmlns:p14="http://schemas.microsoft.com/office/powerpoint/2010/main" xmlns="" val="1786012200"/>
       </p:ext>
     </p:extLst>
   </p:cSld>
@@ -8880,6 +8903,7 @@
           <a:p>
             <a:fld id="{89A0AB9F-FDD7-4756-9F17-22BE24D093EB}" type="datetimeFigureOut">
               <a:rPr lang="en-US" smtClean="0"/>
+              <a:pPr/>
               <a:t>5/27/2017</a:t>
             </a:fld>
             <a:endParaRPr lang="en-US"/>
@@ -8922,6 +8946,7 @@
           <a:p>
             <a:fld id="{77EEA759-E6EF-4DBF-B282-FD9AFD81043A}" type="slidenum">
               <a:rPr lang="en-US" smtClean="0"/>
+              <a:pPr/>
               <a:t>‹#›</a:t>
             </a:fld>
             <a:endParaRPr lang="en-US"/>
@@ -8931,7 +8956,7 @@
     </p:spTree>
     <p:extLst>
       <p:ext uri="{BB962C8B-B14F-4D97-AF65-F5344CB8AC3E}">
-        <p14:creationId xmlns:p14="http://schemas.microsoft.com/office/powerpoint/2010/main" val="2392077271"/>
+        <p14:creationId xmlns:p14="http://schemas.microsoft.com/office/powerpoint/2010/main" xmlns="" val="2392077271"/>
       </p:ext>
     </p:extLst>
   </p:cSld>
@@ -9290,6 +9315,7 @@
           <a:p>
             <a:fld id="{89A0AB9F-FDD7-4756-9F17-22BE24D093EB}" type="datetimeFigureOut">
               <a:rPr lang="en-US" smtClean="0"/>
+              <a:pPr/>
               <a:t>5/27/2017</a:t>
             </a:fld>
             <a:endParaRPr lang="en-US"/>
@@ -9332,6 +9358,7 @@
           <a:p>
             <a:fld id="{77EEA759-E6EF-4DBF-B282-FD9AFD81043A}" type="slidenum">
               <a:rPr lang="en-US" smtClean="0"/>
+              <a:pPr/>
               <a:t>‹#›</a:t>
             </a:fld>
             <a:endParaRPr lang="en-US"/>
@@ -9341,7 +9368,7 @@
     </p:spTree>
     <p:extLst>
       <p:ext uri="{BB962C8B-B14F-4D97-AF65-F5344CB8AC3E}">
-        <p14:creationId xmlns:p14="http://schemas.microsoft.com/office/powerpoint/2010/main" val="3003598"/>
+        <p14:creationId xmlns:p14="http://schemas.microsoft.com/office/powerpoint/2010/main" xmlns="" val="3003598"/>
       </p:ext>
     </p:extLst>
   </p:cSld>
@@ -9417,6 +9444,7 @@
           <a:p>
             <a:fld id="{89A0AB9F-FDD7-4756-9F17-22BE24D093EB}" type="datetimeFigureOut">
               <a:rPr lang="en-US" smtClean="0"/>
+              <a:pPr/>
               <a:t>5/27/2017</a:t>
             </a:fld>
             <a:endParaRPr lang="en-US"/>
@@ -9459,6 +9487,7 @@
           <a:p>
             <a:fld id="{77EEA759-E6EF-4DBF-B282-FD9AFD81043A}" type="slidenum">
               <a:rPr lang="en-US" smtClean="0"/>
+              <a:pPr/>
               <a:t>‹#›</a:t>
             </a:fld>
             <a:endParaRPr lang="en-US"/>
@@ -9468,7 +9497,7 @@
     </p:spTree>
     <p:extLst>
       <p:ext uri="{BB962C8B-B14F-4D97-AF65-F5344CB8AC3E}">
-        <p14:creationId xmlns:p14="http://schemas.microsoft.com/office/powerpoint/2010/main" val="3079560757"/>
+        <p14:creationId xmlns:p14="http://schemas.microsoft.com/office/powerpoint/2010/main" xmlns="" val="3079560757"/>
       </p:ext>
     </p:extLst>
   </p:cSld>
@@ -9512,6 +9541,7 @@
           <a:p>
             <a:fld id="{89A0AB9F-FDD7-4756-9F17-22BE24D093EB}" type="datetimeFigureOut">
               <a:rPr lang="en-US" smtClean="0"/>
+              <a:pPr/>
               <a:t>5/27/2017</a:t>
             </a:fld>
             <a:endParaRPr lang="en-US"/>
@@ -9590,6 +9620,7 @@
           <a:p>
             <a:fld id="{77EEA759-E6EF-4DBF-B282-FD9AFD81043A}" type="slidenum">
               <a:rPr lang="en-US" smtClean="0"/>
+              <a:pPr/>
               <a:t>‹#›</a:t>
             </a:fld>
             <a:endParaRPr lang="en-US"/>
@@ -9599,7 +9630,7 @@
     </p:spTree>
     <p:extLst>
       <p:ext uri="{BB962C8B-B14F-4D97-AF65-F5344CB8AC3E}">
-        <p14:creationId xmlns:p14="http://schemas.microsoft.com/office/powerpoint/2010/main" val="1461036617"/>
+        <p14:creationId xmlns:p14="http://schemas.microsoft.com/office/powerpoint/2010/main" xmlns="" val="1461036617"/>
       </p:ext>
     </p:extLst>
   </p:cSld>
@@ -9655,7 +9686,7 @@
               <a:avLst/>
             </a:prstGeom>
             <a:blipFill>
-              <a:blip r:embed="rId2">
+              <a:blip r:embed="rId2" cstate="print">
                 <a:duotone>
                   <a:schemeClr val="dk2">
                     <a:shade val="69000"/>
@@ -10593,6 +10624,7 @@
           <a:p>
             <a:fld id="{89A0AB9F-FDD7-4756-9F17-22BE24D093EB}" type="datetimeFigureOut">
               <a:rPr lang="en-US" smtClean="0"/>
+              <a:pPr/>
               <a:t>5/27/2017</a:t>
             </a:fld>
             <a:endParaRPr lang="en-US"/>
@@ -10671,6 +10703,7 @@
           <a:p>
             <a:fld id="{77EEA759-E6EF-4DBF-B282-FD9AFD81043A}" type="slidenum">
               <a:rPr lang="en-US" smtClean="0"/>
+              <a:pPr/>
               <a:t>‹#›</a:t>
             </a:fld>
             <a:endParaRPr lang="en-US"/>
@@ -10680,7 +10713,7 @@
     </p:spTree>
     <p:extLst>
       <p:ext uri="{BB962C8B-B14F-4D97-AF65-F5344CB8AC3E}">
-        <p14:creationId xmlns:p14="http://schemas.microsoft.com/office/powerpoint/2010/main" val="282019298"/>
+        <p14:creationId xmlns:p14="http://schemas.microsoft.com/office/powerpoint/2010/main" xmlns="" val="282019298"/>
       </p:ext>
     </p:extLst>
   </p:cSld>
@@ -10736,7 +10769,7 @@
               <a:avLst/>
             </a:prstGeom>
             <a:blipFill>
-              <a:blip r:embed="rId2">
+              <a:blip r:embed="rId2" cstate="print">
                 <a:duotone>
                   <a:schemeClr val="dk2">
                     <a:shade val="69000"/>
@@ -11701,6 +11734,7 @@
           <a:p>
             <a:fld id="{89A0AB9F-FDD7-4756-9F17-22BE24D093EB}" type="datetimeFigureOut">
               <a:rPr lang="en-US" smtClean="0"/>
+              <a:pPr/>
               <a:t>5/27/2017</a:t>
             </a:fld>
             <a:endParaRPr lang="en-US"/>
@@ -11779,6 +11813,7 @@
           <a:p>
             <a:fld id="{77EEA759-E6EF-4DBF-B282-FD9AFD81043A}" type="slidenum">
               <a:rPr lang="en-US" smtClean="0"/>
+              <a:pPr/>
               <a:t>‹#›</a:t>
             </a:fld>
             <a:endParaRPr lang="en-US"/>
@@ -11788,7 +11823,7 @@
     </p:spTree>
     <p:extLst>
       <p:ext uri="{BB962C8B-B14F-4D97-AF65-F5344CB8AC3E}">
-        <p14:creationId xmlns:p14="http://schemas.microsoft.com/office/powerpoint/2010/main" val="3920441199"/>
+        <p14:creationId xmlns:p14="http://schemas.microsoft.com/office/powerpoint/2010/main" xmlns="" val="3920441199"/>
       </p:ext>
     </p:extLst>
   </p:cSld>
@@ -11849,7 +11884,7 @@
               <a:avLst/>
             </a:prstGeom>
             <a:blipFill>
-              <a:blip r:embed="rId19">
+              <a:blip r:embed="rId19" cstate="print">
                 <a:duotone>
                   <a:schemeClr val="dk2">
                     <a:shade val="69000"/>
@@ -12698,6 +12733,7 @@
           <a:p>
             <a:fld id="{89A0AB9F-FDD7-4756-9F17-22BE24D093EB}" type="datetimeFigureOut">
               <a:rPr lang="en-US" smtClean="0"/>
+              <a:pPr/>
               <a:t>5/27/2017</a:t>
             </a:fld>
             <a:endParaRPr lang="en-US"/>
@@ -12808,6 +12844,7 @@
           <a:p>
             <a:fld id="{77EEA759-E6EF-4DBF-B282-FD9AFD81043A}" type="slidenum">
               <a:rPr lang="en-US" smtClean="0"/>
+              <a:pPr/>
               <a:t>‹#›</a:t>
             </a:fld>
             <a:endParaRPr lang="en-US"/>
@@ -12817,7 +12854,7 @@
     </p:spTree>
     <p:extLst>
       <p:ext uri="{BB962C8B-B14F-4D97-AF65-F5344CB8AC3E}">
-        <p14:creationId xmlns:p14="http://schemas.microsoft.com/office/powerpoint/2010/main" val="3616661489"/>
+        <p14:creationId xmlns:p14="http://schemas.microsoft.com/office/powerpoint/2010/main" xmlns="" val="3616661489"/>
       </p:ext>
     </p:extLst>
   </p:cSld>
@@ -13374,7 +13411,7 @@
     </p:spTree>
     <p:extLst>
       <p:ext uri="{BB962C8B-B14F-4D97-AF65-F5344CB8AC3E}">
-        <p14:creationId xmlns:p14="http://schemas.microsoft.com/office/powerpoint/2010/main" val="3036959393"/>
+        <p14:creationId xmlns:p14="http://schemas.microsoft.com/office/powerpoint/2010/main" xmlns="" val="3036959393"/>
       </p:ext>
     </p:extLst>
   </p:cSld>
@@ -13410,10 +13447,10 @@
           <p:nvPr/>
         </p:nvPicPr>
         <p:blipFill>
-          <a:blip r:embed="rId2">
+          <a:blip r:embed="rId2" cstate="print">
             <a:extLst>
               <a:ext uri="{28A0092B-C50C-407E-A947-70E740481C1C}">
-                <a14:useLocalDpi xmlns:a14="http://schemas.microsoft.com/office/drawing/2010/main" val="0"/>
+                <a14:useLocalDpi xmlns:a14="http://schemas.microsoft.com/office/drawing/2010/main" xmlns="" val="0"/>
               </a:ext>
             </a:extLst>
           </a:blip>
@@ -13433,7 +13470,7 @@
           <a:noFill/>
           <a:extLst>
             <a:ext uri="{909E8E84-426E-40DD-AFC4-6F175D3DCCD1}">
-              <a14:hiddenFill xmlns:a14="http://schemas.microsoft.com/office/drawing/2010/main">
+              <a14:hiddenFill xmlns:a14="http://schemas.microsoft.com/office/drawing/2010/main" xmlns="">
                 <a:solidFill>
                   <a:srgbClr val="FFFFFF"/>
                 </a:solidFill>
@@ -13445,7 +13482,7 @@
     </p:spTree>
     <p:extLst>
       <p:ext uri="{BB962C8B-B14F-4D97-AF65-F5344CB8AC3E}">
-        <p14:creationId xmlns:p14="http://schemas.microsoft.com/office/powerpoint/2010/main" val="2007831392"/>
+        <p14:creationId xmlns:p14="http://schemas.microsoft.com/office/powerpoint/2010/main" xmlns="" val="2007831392"/>
       </p:ext>
     </p:extLst>
   </p:cSld>
@@ -13621,7 +13658,7 @@
     </p:spTree>
     <p:extLst>
       <p:ext uri="{BB962C8B-B14F-4D97-AF65-F5344CB8AC3E}">
-        <p14:creationId xmlns:p14="http://schemas.microsoft.com/office/powerpoint/2010/main" val="4133174311"/>
+        <p14:creationId xmlns:p14="http://schemas.microsoft.com/office/powerpoint/2010/main" xmlns="" val="4133174311"/>
       </p:ext>
     </p:extLst>
   </p:cSld>
@@ -13665,7 +13702,11 @@
           <a:p>
             <a:r>
               <a:rPr lang="ro-RO" dirty="0" smtClean="0"/>
-              <a:t>User Stories-partea 1</a:t>
+              <a:t>User </a:t>
+            </a:r>
+            <a:r>
+              <a:rPr lang="ro-RO" dirty="0" smtClean="0"/>
+              <a:t>Stories</a:t>
             </a:r>
             <a:endParaRPr lang="en-US" dirty="0"/>
           </a:p>
@@ -13684,7 +13725,7 @@
         <p:spPr>
           <a:xfrm>
             <a:off x="1154954" y="2333767"/>
-            <a:ext cx="8825659" cy="3686033"/>
+            <a:ext cx="8825659" cy="4067033"/>
           </a:xfrm>
         </p:spPr>
         <p:txBody>
@@ -13756,8 +13797,56 @@
             <a:pPr lvl="2"/>
             <a:r>
               <a:rPr lang="ro-RO" dirty="0" smtClean="0"/>
-              <a:t>Să văd alți utilizatori inregistrați</a:t>
-            </a:r>
+              <a:t>Să văd alți utilizatori </a:t>
+            </a:r>
+            <a:r>
+              <a:rPr lang="ro-RO" dirty="0" smtClean="0"/>
+              <a:t>inregistrați</a:t>
+            </a:r>
+          </a:p>
+          <a:p>
+            <a:pPr lvl="2"/>
+            <a:r>
+              <a:rPr lang="fr-FR" dirty="0" smtClean="0"/>
+              <a:t>Sa pot </a:t>
+            </a:r>
+            <a:r>
+              <a:rPr lang="fr-FR" dirty="0" err="1" smtClean="0"/>
+              <a:t>incepe</a:t>
+            </a:r>
+            <a:r>
+              <a:rPr lang="fr-FR" dirty="0" smtClean="0"/>
+              <a:t> un </a:t>
+            </a:r>
+            <a:r>
+              <a:rPr lang="fr-FR" dirty="0" err="1" smtClean="0"/>
+              <a:t>joc</a:t>
+            </a:r>
+            <a:r>
+              <a:rPr lang="fr-FR" dirty="0" smtClean="0"/>
+              <a:t> </a:t>
+            </a:r>
+            <a:r>
+              <a:rPr lang="fr-FR" dirty="0" err="1" smtClean="0"/>
+              <a:t>nou</a:t>
+            </a:r>
+            <a:r>
+              <a:rPr lang="fr-FR" dirty="0" smtClean="0"/>
+              <a:t> la </a:t>
+            </a:r>
+            <a:r>
+              <a:rPr lang="fr-FR" dirty="0" err="1" smtClean="0"/>
+              <a:t>sfarsitul</a:t>
+            </a:r>
+            <a:r>
+              <a:rPr lang="fr-FR" dirty="0" smtClean="0"/>
+              <a:t> celui curent</a:t>
+            </a:r>
+            <a:endParaRPr lang="ro-RO" dirty="0" smtClean="0"/>
+          </a:p>
+          <a:p>
+            <a:pPr lvl="2"/>
+            <a:endParaRPr lang="ro-RO" dirty="0" smtClean="0"/>
           </a:p>
           <a:p>
             <a:pPr lvl="2"/>
@@ -13772,9 +13861,109 @@
     </p:spTree>
     <p:extLst>
       <p:ext uri="{BB962C8B-B14F-4D97-AF65-F5344CB8AC3E}">
-        <p14:creationId xmlns:p14="http://schemas.microsoft.com/office/powerpoint/2010/main" val="2999846481"/>
+        <p14:creationId xmlns:p14="http://schemas.microsoft.com/office/powerpoint/2010/main" xmlns="" val="2999846481"/>
       </p:ext>
     </p:extLst>
+  </p:cSld>
+  <p:clrMapOvr>
+    <a:masterClrMapping/>
+  </p:clrMapOvr>
+</p:sld>
+</file>
+
+<file path=ppt/slides/slide5.xml><?xml version="1.0" encoding="utf-8"?>
+<p:sld xmlns:a="http://schemas.openxmlformats.org/drawingml/2006/main" xmlns:r="http://schemas.openxmlformats.org/officeDocument/2006/relationships" xmlns:p="http://schemas.openxmlformats.org/presentationml/2006/main">
+  <p:cSld>
+    <p:spTree>
+      <p:nvGrpSpPr>
+        <p:cNvPr id="1" name=""/>
+        <p:cNvGrpSpPr/>
+        <p:nvPr/>
+      </p:nvGrpSpPr>
+      <p:grpSpPr>
+        <a:xfrm>
+          <a:off x="0" y="0"/>
+          <a:ext cx="0" cy="0"/>
+          <a:chOff x="0" y="0"/>
+          <a:chExt cx="0" cy="0"/>
+        </a:xfrm>
+      </p:grpSpPr>
+      <p:sp>
+        <p:nvSpPr>
+          <p:cNvPr id="2" name="Title 1"/>
+          <p:cNvSpPr>
+            <a:spLocks noGrp="1"/>
+          </p:cNvSpPr>
+          <p:nvPr>
+            <p:ph type="title"/>
+          </p:nvPr>
+        </p:nvSpPr>
+        <p:spPr/>
+        <p:txBody>
+          <a:bodyPr/>
+          <a:lstStyle/>
+          <a:p>
+            <a:r>
+              <a:rPr lang="ro-RO" dirty="0" smtClean="0"/>
+              <a:t>Backlog</a:t>
+            </a:r>
+            <a:endParaRPr lang="ro-RO" dirty="0"/>
+          </a:p>
+        </p:txBody>
+      </p:sp>
+      <p:sp>
+        <p:nvSpPr>
+          <p:cNvPr id="3" name="Content Placeholder 2"/>
+          <p:cNvSpPr>
+            <a:spLocks noGrp="1"/>
+          </p:cNvSpPr>
+          <p:nvPr>
+            <p:ph idx="1"/>
+          </p:nvPr>
+        </p:nvSpPr>
+        <p:spPr/>
+        <p:txBody>
+          <a:bodyPr/>
+          <a:lstStyle/>
+          <a:p>
+            <a:r>
+              <a:rPr lang="ro-RO" dirty="0" smtClean="0"/>
+              <a:t>Scanarea cărților</a:t>
+            </a:r>
+          </a:p>
+          <a:p>
+            <a:r>
+              <a:rPr lang="ro-RO" dirty="0" smtClean="0"/>
+              <a:t>Interfață grafică folosind JavaScript, Html, CSS</a:t>
+            </a:r>
+          </a:p>
+          <a:p>
+            <a:r>
+              <a:rPr lang="ro-RO" dirty="0" smtClean="0"/>
+              <a:t>Conturile utilizatorilor</a:t>
+            </a:r>
+          </a:p>
+          <a:p>
+            <a:r>
+              <a:rPr lang="ro-RO" dirty="0" smtClean="0"/>
+              <a:t>Posibilitatea de a te loga folosind e-mailul</a:t>
+            </a:r>
+          </a:p>
+          <a:p>
+            <a:r>
+              <a:rPr lang="ro-RO" dirty="0" smtClean="0"/>
+              <a:t>Pagină de start cu regulile jocului</a:t>
+            </a:r>
+          </a:p>
+          <a:p>
+            <a:r>
+              <a:rPr lang="ro-RO" dirty="0" smtClean="0"/>
+              <a:t>Pentru fiecare carte de joc  să existe câte o funcție specifică utilității ei</a:t>
+            </a:r>
+          </a:p>
+        </p:txBody>
+      </p:sp>
+    </p:spTree>
   </p:cSld>
   <p:clrMapOvr>
     <a:masterClrMapping/>
@@ -13825,7 +14014,7 @@
     </a:clrScheme>
     <a:fontScheme name="Ion Boardroom">
       <a:majorFont>
-        <a:latin typeface="Century Gothic" panose="020B0502020202020204"/>
+        <a:latin typeface="Century Gothic"/>
         <a:ea typeface=""/>
         <a:cs typeface=""/>
         <a:font script="Jpan" typeface="メイリオ"/>
@@ -13860,7 +14049,7 @@
         <a:font script="Geor" typeface="Sylfaen"/>
       </a:majorFont>
       <a:minorFont>
-        <a:latin typeface="Century Gothic" panose="020B0502020202020204"/>
+        <a:latin typeface="Century Gothic"/>
         <a:ea typeface=""/>
         <a:cs typeface=""/>
         <a:font script="Jpan" typeface="メイリオ"/>
@@ -14040,7 +14229,7 @@
   <a:extraClrSchemeLst/>
   <a:extLst>
     <a:ext uri="{05A4C25C-085E-4340-85A3-A5531E510DB2}">
-      <thm15:themeFamily xmlns:thm15="http://schemas.microsoft.com/office/thememl/2012/main" name="Ion Boardroom" id="{FC33163D-4339-46B1-8EED-24C834239D99}" vid="{B8502691-933B-45FE-8764-BA278511EF27}"/>
+      <thm15:themeFamily xmlns:thm15="http://schemas.microsoft.com/office/thememl/2012/main" xmlns="" name="Ion Boardroom" id="{FC33163D-4339-46B1-8EED-24C834239D99}" vid="{B8502691-933B-45FE-8764-BA278511EF27}"/>
     </a:ext>
   </a:extLst>
 </a:theme>

--- a/prezentare-mds.pptx
+++ b/prezentare-mds.pptx
@@ -4,12 +4,19 @@
   <p:sldMasterIdLst>
     <p:sldMasterId id="2147483660" r:id="rId1"/>
   </p:sldMasterIdLst>
+  <p:notesMasterIdLst>
+    <p:notesMasterId r:id="rId11"/>
+  </p:notesMasterIdLst>
   <p:sldIdLst>
     <p:sldId id="256" r:id="rId2"/>
     <p:sldId id="257" r:id="rId3"/>
     <p:sldId id="259" r:id="rId4"/>
     <p:sldId id="260" r:id="rId5"/>
     <p:sldId id="261" r:id="rId6"/>
+    <p:sldId id="262" r:id="rId7"/>
+    <p:sldId id="264" r:id="rId8"/>
+    <p:sldId id="265" r:id="rId9"/>
+    <p:sldId id="267" r:id="rId10"/>
   </p:sldIdLst>
   <p:sldSz cx="12192000" cy="6858000"/>
   <p:notesSz cx="6858000" cy="9144000"/>
@@ -111,6 +118,434 @@
 </p:presentation>
 </file>
 
+<file path=ppt/notesMasters/notesMaster1.xml><?xml version="1.0" encoding="utf-8"?>
+<p:notesMaster xmlns:a="http://schemas.openxmlformats.org/drawingml/2006/main" xmlns:r="http://schemas.openxmlformats.org/officeDocument/2006/relationships" xmlns:p="http://schemas.openxmlformats.org/presentationml/2006/main">
+  <p:cSld>
+    <p:bg>
+      <p:bgRef idx="1001">
+        <a:schemeClr val="bg1"/>
+      </p:bgRef>
+    </p:bg>
+    <p:spTree>
+      <p:nvGrpSpPr>
+        <p:cNvPr id="1" name=""/>
+        <p:cNvGrpSpPr/>
+        <p:nvPr/>
+      </p:nvGrpSpPr>
+      <p:grpSpPr>
+        <a:xfrm>
+          <a:off x="0" y="0"/>
+          <a:ext cx="0" cy="0"/>
+          <a:chOff x="0" y="0"/>
+          <a:chExt cx="0" cy="0"/>
+        </a:xfrm>
+      </p:grpSpPr>
+      <p:sp>
+        <p:nvSpPr>
+          <p:cNvPr id="2" name="Header Placeholder 1"/>
+          <p:cNvSpPr>
+            <a:spLocks noGrp="1"/>
+          </p:cNvSpPr>
+          <p:nvPr>
+            <p:ph type="hdr" sz="quarter"/>
+          </p:nvPr>
+        </p:nvSpPr>
+        <p:spPr>
+          <a:xfrm>
+            <a:off x="0" y="0"/>
+            <a:ext cx="2971800" cy="457200"/>
+          </a:xfrm>
+          <a:prstGeom prst="rect">
+            <a:avLst/>
+          </a:prstGeom>
+        </p:spPr>
+        <p:txBody>
+          <a:bodyPr vert="horz" lIns="91440" tIns="45720" rIns="91440" bIns="45720" rtlCol="0"/>
+          <a:lstStyle>
+            <a:lvl1pPr algn="l">
+              <a:defRPr sz="1200"/>
+            </a:lvl1pPr>
+          </a:lstStyle>
+          <a:p>
+            <a:endParaRPr lang="ro-RO"/>
+          </a:p>
+        </p:txBody>
+      </p:sp>
+      <p:sp>
+        <p:nvSpPr>
+          <p:cNvPr id="3" name="Date Placeholder 2"/>
+          <p:cNvSpPr>
+            <a:spLocks noGrp="1"/>
+          </p:cNvSpPr>
+          <p:nvPr>
+            <p:ph type="dt" idx="1"/>
+          </p:nvPr>
+        </p:nvSpPr>
+        <p:spPr>
+          <a:xfrm>
+            <a:off x="3884613" y="0"/>
+            <a:ext cx="2971800" cy="457200"/>
+          </a:xfrm>
+          <a:prstGeom prst="rect">
+            <a:avLst/>
+          </a:prstGeom>
+        </p:spPr>
+        <p:txBody>
+          <a:bodyPr vert="horz" lIns="91440" tIns="45720" rIns="91440" bIns="45720" rtlCol="0"/>
+          <a:lstStyle>
+            <a:lvl1pPr algn="r">
+              <a:defRPr sz="1200"/>
+            </a:lvl1pPr>
+          </a:lstStyle>
+          <a:p>
+            <a:fld id="{9BE494CC-1315-490B-824B-E0BFA8A89718}" type="datetimeFigureOut">
+              <a:rPr lang="ro-RO" smtClean="0"/>
+              <a:t>29.05.2017</a:t>
+            </a:fld>
+            <a:endParaRPr lang="ro-RO"/>
+          </a:p>
+        </p:txBody>
+      </p:sp>
+      <p:sp>
+        <p:nvSpPr>
+          <p:cNvPr id="4" name="Slide Image Placeholder 3"/>
+          <p:cNvSpPr>
+            <a:spLocks noGrp="1" noRot="1" noChangeAspect="1"/>
+          </p:cNvSpPr>
+          <p:nvPr>
+            <p:ph type="sldImg" idx="2"/>
+          </p:nvPr>
+        </p:nvSpPr>
+        <p:spPr>
+          <a:xfrm>
+            <a:off x="381000" y="685800"/>
+            <a:ext cx="6096000" cy="3429000"/>
+          </a:xfrm>
+          <a:prstGeom prst="rect">
+            <a:avLst/>
+          </a:prstGeom>
+          <a:noFill/>
+          <a:ln w="12700">
+            <a:solidFill>
+              <a:prstClr val="black"/>
+            </a:solidFill>
+          </a:ln>
+        </p:spPr>
+        <p:txBody>
+          <a:bodyPr vert="horz" lIns="91440" tIns="45720" rIns="91440" bIns="45720" rtlCol="0" anchor="ctr"/>
+          <a:lstStyle/>
+          <a:p>
+            <a:endParaRPr lang="ro-RO"/>
+          </a:p>
+        </p:txBody>
+      </p:sp>
+      <p:sp>
+        <p:nvSpPr>
+          <p:cNvPr id="5" name="Notes Placeholder 4"/>
+          <p:cNvSpPr>
+            <a:spLocks noGrp="1"/>
+          </p:cNvSpPr>
+          <p:nvPr>
+            <p:ph type="body" sz="quarter" idx="3"/>
+          </p:nvPr>
+        </p:nvSpPr>
+        <p:spPr>
+          <a:xfrm>
+            <a:off x="685800" y="4343400"/>
+            <a:ext cx="5486400" cy="4114800"/>
+          </a:xfrm>
+          <a:prstGeom prst="rect">
+            <a:avLst/>
+          </a:prstGeom>
+        </p:spPr>
+        <p:txBody>
+          <a:bodyPr vert="horz" lIns="91440" tIns="45720" rIns="91440" bIns="45720" rtlCol="0">
+            <a:normAutofit/>
+          </a:bodyPr>
+          <a:lstStyle/>
+          <a:p>
+            <a:pPr lvl="0"/>
+            <a:r>
+              <a:rPr lang="en-US" smtClean="0"/>
+              <a:t>Click to edit Master text styles</a:t>
+            </a:r>
+          </a:p>
+          <a:p>
+            <a:pPr lvl="1"/>
+            <a:r>
+              <a:rPr lang="en-US" smtClean="0"/>
+              <a:t>Second level</a:t>
+            </a:r>
+          </a:p>
+          <a:p>
+            <a:pPr lvl="2"/>
+            <a:r>
+              <a:rPr lang="en-US" smtClean="0"/>
+              <a:t>Third level</a:t>
+            </a:r>
+          </a:p>
+          <a:p>
+            <a:pPr lvl="3"/>
+            <a:r>
+              <a:rPr lang="en-US" smtClean="0"/>
+              <a:t>Fourth level</a:t>
+            </a:r>
+          </a:p>
+          <a:p>
+            <a:pPr lvl="4"/>
+            <a:r>
+              <a:rPr lang="en-US" smtClean="0"/>
+              <a:t>Fifth level</a:t>
+            </a:r>
+            <a:endParaRPr lang="ro-RO"/>
+          </a:p>
+        </p:txBody>
+      </p:sp>
+      <p:sp>
+        <p:nvSpPr>
+          <p:cNvPr id="6" name="Footer Placeholder 5"/>
+          <p:cNvSpPr>
+            <a:spLocks noGrp="1"/>
+          </p:cNvSpPr>
+          <p:nvPr>
+            <p:ph type="ftr" sz="quarter" idx="4"/>
+          </p:nvPr>
+        </p:nvSpPr>
+        <p:spPr>
+          <a:xfrm>
+            <a:off x="0" y="8685213"/>
+            <a:ext cx="2971800" cy="457200"/>
+          </a:xfrm>
+          <a:prstGeom prst="rect">
+            <a:avLst/>
+          </a:prstGeom>
+        </p:spPr>
+        <p:txBody>
+          <a:bodyPr vert="horz" lIns="91440" tIns="45720" rIns="91440" bIns="45720" rtlCol="0" anchor="b"/>
+          <a:lstStyle>
+            <a:lvl1pPr algn="l">
+              <a:defRPr sz="1200"/>
+            </a:lvl1pPr>
+          </a:lstStyle>
+          <a:p>
+            <a:endParaRPr lang="ro-RO"/>
+          </a:p>
+        </p:txBody>
+      </p:sp>
+      <p:sp>
+        <p:nvSpPr>
+          <p:cNvPr id="7" name="Slide Number Placeholder 6"/>
+          <p:cNvSpPr>
+            <a:spLocks noGrp="1"/>
+          </p:cNvSpPr>
+          <p:nvPr>
+            <p:ph type="sldNum" sz="quarter" idx="5"/>
+          </p:nvPr>
+        </p:nvSpPr>
+        <p:spPr>
+          <a:xfrm>
+            <a:off x="3884613" y="8685213"/>
+            <a:ext cx="2971800" cy="457200"/>
+          </a:xfrm>
+          <a:prstGeom prst="rect">
+            <a:avLst/>
+          </a:prstGeom>
+        </p:spPr>
+        <p:txBody>
+          <a:bodyPr vert="horz" lIns="91440" tIns="45720" rIns="91440" bIns="45720" rtlCol="0" anchor="b"/>
+          <a:lstStyle>
+            <a:lvl1pPr algn="r">
+              <a:defRPr sz="1200"/>
+            </a:lvl1pPr>
+          </a:lstStyle>
+          <a:p>
+            <a:fld id="{CC6860D9-9CA4-4FD6-A3CF-1A2615E49351}" type="slidenum">
+              <a:rPr lang="ro-RO" smtClean="0"/>
+              <a:t>‹#›</a:t>
+            </a:fld>
+            <a:endParaRPr lang="ro-RO"/>
+          </a:p>
+        </p:txBody>
+      </p:sp>
+    </p:spTree>
+  </p:cSld>
+  <p:clrMap bg1="lt1" tx1="dk1" bg2="lt2" tx2="dk2" accent1="accent1" accent2="accent2" accent3="accent3" accent4="accent4" accent5="accent5" accent6="accent6" hlink="hlink" folHlink="folHlink"/>
+  <p:notesStyle>
+    <a:lvl1pPr marL="0" algn="l" defTabSz="914400" rtl="0" eaLnBrk="1" latinLnBrk="0" hangingPunct="1">
+      <a:defRPr sz="1200" kern="1200">
+        <a:solidFill>
+          <a:schemeClr val="tx1"/>
+        </a:solidFill>
+        <a:latin typeface="+mn-lt"/>
+        <a:ea typeface="+mn-ea"/>
+        <a:cs typeface="+mn-cs"/>
+      </a:defRPr>
+    </a:lvl1pPr>
+    <a:lvl2pPr marL="457200" algn="l" defTabSz="914400" rtl="0" eaLnBrk="1" latinLnBrk="0" hangingPunct="1">
+      <a:defRPr sz="1200" kern="1200">
+        <a:solidFill>
+          <a:schemeClr val="tx1"/>
+        </a:solidFill>
+        <a:latin typeface="+mn-lt"/>
+        <a:ea typeface="+mn-ea"/>
+        <a:cs typeface="+mn-cs"/>
+      </a:defRPr>
+    </a:lvl2pPr>
+    <a:lvl3pPr marL="914400" algn="l" defTabSz="914400" rtl="0" eaLnBrk="1" latinLnBrk="0" hangingPunct="1">
+      <a:defRPr sz="1200" kern="1200">
+        <a:solidFill>
+          <a:schemeClr val="tx1"/>
+        </a:solidFill>
+        <a:latin typeface="+mn-lt"/>
+        <a:ea typeface="+mn-ea"/>
+        <a:cs typeface="+mn-cs"/>
+      </a:defRPr>
+    </a:lvl3pPr>
+    <a:lvl4pPr marL="1371600" algn="l" defTabSz="914400" rtl="0" eaLnBrk="1" latinLnBrk="0" hangingPunct="1">
+      <a:defRPr sz="1200" kern="1200">
+        <a:solidFill>
+          <a:schemeClr val="tx1"/>
+        </a:solidFill>
+        <a:latin typeface="+mn-lt"/>
+        <a:ea typeface="+mn-ea"/>
+        <a:cs typeface="+mn-cs"/>
+      </a:defRPr>
+    </a:lvl4pPr>
+    <a:lvl5pPr marL="1828800" algn="l" defTabSz="914400" rtl="0" eaLnBrk="1" latinLnBrk="0" hangingPunct="1">
+      <a:defRPr sz="1200" kern="1200">
+        <a:solidFill>
+          <a:schemeClr val="tx1"/>
+        </a:solidFill>
+        <a:latin typeface="+mn-lt"/>
+        <a:ea typeface="+mn-ea"/>
+        <a:cs typeface="+mn-cs"/>
+      </a:defRPr>
+    </a:lvl5pPr>
+    <a:lvl6pPr marL="2286000" algn="l" defTabSz="914400" rtl="0" eaLnBrk="1" latinLnBrk="0" hangingPunct="1">
+      <a:defRPr sz="1200" kern="1200">
+        <a:solidFill>
+          <a:schemeClr val="tx1"/>
+        </a:solidFill>
+        <a:latin typeface="+mn-lt"/>
+        <a:ea typeface="+mn-ea"/>
+        <a:cs typeface="+mn-cs"/>
+      </a:defRPr>
+    </a:lvl6pPr>
+    <a:lvl7pPr marL="2743200" algn="l" defTabSz="914400" rtl="0" eaLnBrk="1" latinLnBrk="0" hangingPunct="1">
+      <a:defRPr sz="1200" kern="1200">
+        <a:solidFill>
+          <a:schemeClr val="tx1"/>
+        </a:solidFill>
+        <a:latin typeface="+mn-lt"/>
+        <a:ea typeface="+mn-ea"/>
+        <a:cs typeface="+mn-cs"/>
+      </a:defRPr>
+    </a:lvl7pPr>
+    <a:lvl8pPr marL="3200400" algn="l" defTabSz="914400" rtl="0" eaLnBrk="1" latinLnBrk="0" hangingPunct="1">
+      <a:defRPr sz="1200" kern="1200">
+        <a:solidFill>
+          <a:schemeClr val="tx1"/>
+        </a:solidFill>
+        <a:latin typeface="+mn-lt"/>
+        <a:ea typeface="+mn-ea"/>
+        <a:cs typeface="+mn-cs"/>
+      </a:defRPr>
+    </a:lvl8pPr>
+    <a:lvl9pPr marL="3657600" algn="l" defTabSz="914400" rtl="0" eaLnBrk="1" latinLnBrk="0" hangingPunct="1">
+      <a:defRPr sz="1200" kern="1200">
+        <a:solidFill>
+          <a:schemeClr val="tx1"/>
+        </a:solidFill>
+        <a:latin typeface="+mn-lt"/>
+        <a:ea typeface="+mn-ea"/>
+        <a:cs typeface="+mn-cs"/>
+      </a:defRPr>
+    </a:lvl9pPr>
+  </p:notesStyle>
+</p:notesMaster>
+</file>
+
+<file path=ppt/notesSlides/notesSlide1.xml><?xml version="1.0" encoding="utf-8"?>
+<p:notes xmlns:a="http://schemas.openxmlformats.org/drawingml/2006/main" xmlns:r="http://schemas.openxmlformats.org/officeDocument/2006/relationships" xmlns:p="http://schemas.openxmlformats.org/presentationml/2006/main">
+  <p:cSld>
+    <p:spTree>
+      <p:nvGrpSpPr>
+        <p:cNvPr id="1" name=""/>
+        <p:cNvGrpSpPr/>
+        <p:nvPr/>
+      </p:nvGrpSpPr>
+      <p:grpSpPr>
+        <a:xfrm>
+          <a:off x="0" y="0"/>
+          <a:ext cx="0" cy="0"/>
+          <a:chOff x="0" y="0"/>
+          <a:chExt cx="0" cy="0"/>
+        </a:xfrm>
+      </p:grpSpPr>
+      <p:sp>
+        <p:nvSpPr>
+          <p:cNvPr id="2" name="Slide Image Placeholder 1"/>
+          <p:cNvSpPr>
+            <a:spLocks noGrp="1" noRot="1" noChangeAspect="1"/>
+          </p:cNvSpPr>
+          <p:nvPr>
+            <p:ph type="sldImg"/>
+          </p:nvPr>
+        </p:nvSpPr>
+        <p:spPr/>
+      </p:sp>
+      <p:sp>
+        <p:nvSpPr>
+          <p:cNvPr id="3" name="Notes Placeholder 2"/>
+          <p:cNvSpPr>
+            <a:spLocks noGrp="1"/>
+          </p:cNvSpPr>
+          <p:nvPr>
+            <p:ph type="body" idx="1"/>
+          </p:nvPr>
+        </p:nvSpPr>
+        <p:spPr/>
+        <p:txBody>
+          <a:bodyPr>
+            <a:normAutofit/>
+          </a:bodyPr>
+          <a:lstStyle/>
+          <a:p>
+            <a:endParaRPr lang="ro-RO" dirty="0"/>
+          </a:p>
+        </p:txBody>
+      </p:sp>
+      <p:sp>
+        <p:nvSpPr>
+          <p:cNvPr id="4" name="Slide Number Placeholder 3"/>
+          <p:cNvSpPr>
+            <a:spLocks noGrp="1"/>
+          </p:cNvSpPr>
+          <p:nvPr>
+            <p:ph type="sldNum" sz="quarter" idx="10"/>
+          </p:nvPr>
+        </p:nvSpPr>
+        <p:spPr/>
+        <p:txBody>
+          <a:bodyPr/>
+          <a:lstStyle/>
+          <a:p>
+            <a:fld id="{CC6860D9-9CA4-4FD6-A3CF-1A2615E49351}" type="slidenum">
+              <a:rPr lang="ro-RO" smtClean="0"/>
+              <a:t>6</a:t>
+            </a:fld>
+            <a:endParaRPr lang="ro-RO"/>
+          </a:p>
+        </p:txBody>
+      </p:sp>
+    </p:spTree>
+  </p:cSld>
+  <p:clrMapOvr>
+    <a:masterClrMapping/>
+  </p:clrMapOvr>
+</p:notes>
+</file>
+
 <file path=ppt/slideLayouts/slideLayout1.xml><?xml version="1.0" encoding="utf-8"?>
 <p:sldLayout xmlns:a="http://schemas.openxmlformats.org/drawingml/2006/main" xmlns:r="http://schemas.openxmlformats.org/officeDocument/2006/relationships" xmlns:p="http://schemas.openxmlformats.org/presentationml/2006/main" showMasterSp="0" type="title" preserve="1">
   <p:cSld name="Title Slide">
@@ -447,7 +882,7 @@
             <a:fld id="{89A0AB9F-FDD7-4756-9F17-22BE24D093EB}" type="datetimeFigureOut">
               <a:rPr lang="en-US" smtClean="0"/>
               <a:pPr/>
-              <a:t>5/27/2017</a:t>
+              <a:t>5/29/2017</a:t>
             </a:fld>
             <a:endParaRPr lang="en-US"/>
           </a:p>
@@ -555,7 +990,7 @@
     </p:spTree>
     <p:extLst>
       <p:ext uri="{BB962C8B-B14F-4D97-AF65-F5344CB8AC3E}">
-        <p14:creationId xmlns:p14="http://schemas.microsoft.com/office/powerpoint/2010/main" xmlns="" val="4145603928"/>
+        <p14:creationId xmlns="" xmlns:p14="http://schemas.microsoft.com/office/powerpoint/2010/main" val="4145603928"/>
       </p:ext>
     </p:extLst>
   </p:cSld>
@@ -1537,7 +1972,7 @@
             <a:fld id="{89A0AB9F-FDD7-4756-9F17-22BE24D093EB}" type="datetimeFigureOut">
               <a:rPr lang="en-US" smtClean="0"/>
               <a:pPr/>
-              <a:t>5/27/2017</a:t>
+              <a:t>5/29/2017</a:t>
             </a:fld>
             <a:endParaRPr lang="en-US"/>
           </a:p>
@@ -1625,7 +2060,7 @@
     </p:spTree>
     <p:extLst>
       <p:ext uri="{BB962C8B-B14F-4D97-AF65-F5344CB8AC3E}">
-        <p14:creationId xmlns:p14="http://schemas.microsoft.com/office/powerpoint/2010/main" xmlns="" val="707468474"/>
+        <p14:creationId xmlns="" xmlns:p14="http://schemas.microsoft.com/office/powerpoint/2010/main" val="707468474"/>
       </p:ext>
     </p:extLst>
   </p:cSld>
@@ -2519,7 +2954,7 @@
             <a:fld id="{89A0AB9F-FDD7-4756-9F17-22BE24D093EB}" type="datetimeFigureOut">
               <a:rPr lang="en-US" smtClean="0"/>
               <a:pPr/>
-              <a:t>5/27/2017</a:t>
+              <a:t>5/29/2017</a:t>
             </a:fld>
             <a:endParaRPr lang="en-US"/>
           </a:p>
@@ -2607,7 +3042,7 @@
     </p:spTree>
     <p:extLst>
       <p:ext uri="{BB962C8B-B14F-4D97-AF65-F5344CB8AC3E}">
-        <p14:creationId xmlns:p14="http://schemas.microsoft.com/office/powerpoint/2010/main" xmlns="" val="1059615992"/>
+        <p14:creationId xmlns="" xmlns:p14="http://schemas.microsoft.com/office/powerpoint/2010/main" val="1059615992"/>
       </p:ext>
     </p:extLst>
   </p:cSld>
@@ -3655,7 +4090,7 @@
             <a:fld id="{89A0AB9F-FDD7-4756-9F17-22BE24D093EB}" type="datetimeFigureOut">
               <a:rPr lang="en-US" smtClean="0"/>
               <a:pPr/>
-              <a:t>5/27/2017</a:t>
+              <a:t>5/29/2017</a:t>
             </a:fld>
             <a:endParaRPr lang="en-US"/>
           </a:p>
@@ -3743,7 +4178,7 @@
     </p:spTree>
     <p:extLst>
       <p:ext uri="{BB962C8B-B14F-4D97-AF65-F5344CB8AC3E}">
-        <p14:creationId xmlns:p14="http://schemas.microsoft.com/office/powerpoint/2010/main" xmlns="" val="277674528"/>
+        <p14:creationId xmlns="" xmlns:p14="http://schemas.microsoft.com/office/powerpoint/2010/main" val="277674528"/>
       </p:ext>
     </p:extLst>
   </p:cSld>
@@ -4690,7 +5125,7 @@
             <a:fld id="{89A0AB9F-FDD7-4756-9F17-22BE24D093EB}" type="datetimeFigureOut">
               <a:rPr lang="en-US" smtClean="0"/>
               <a:pPr/>
-              <a:t>5/27/2017</a:t>
+              <a:t>5/29/2017</a:t>
             </a:fld>
             <a:endParaRPr lang="en-US"/>
           </a:p>
@@ -4778,7 +5213,7 @@
     </p:spTree>
     <p:extLst>
       <p:ext uri="{BB962C8B-B14F-4D97-AF65-F5344CB8AC3E}">
-        <p14:creationId xmlns:p14="http://schemas.microsoft.com/office/powerpoint/2010/main" xmlns="" val="2085212053"/>
+        <p14:creationId xmlns="" xmlns:p14="http://schemas.microsoft.com/office/powerpoint/2010/main" val="2085212053"/>
       </p:ext>
     </p:extLst>
   </p:cSld>
@@ -5352,7 +5787,7 @@
             <a:fld id="{89A0AB9F-FDD7-4756-9F17-22BE24D093EB}" type="datetimeFigureOut">
               <a:rPr lang="en-US" smtClean="0"/>
               <a:pPr/>
-              <a:t>5/27/2017</a:t>
+              <a:t>5/29/2017</a:t>
             </a:fld>
             <a:endParaRPr lang="en-US"/>
           </a:p>
@@ -5404,7 +5839,7 @@
     </p:spTree>
     <p:extLst>
       <p:ext uri="{BB962C8B-B14F-4D97-AF65-F5344CB8AC3E}">
-        <p14:creationId xmlns:p14="http://schemas.microsoft.com/office/powerpoint/2010/main" xmlns="" val="390712049"/>
+        <p14:creationId xmlns="" xmlns:p14="http://schemas.microsoft.com/office/powerpoint/2010/main" val="390712049"/>
       </p:ext>
     </p:extLst>
   </p:cSld>
@@ -6215,7 +6650,7 @@
             <a:fld id="{89A0AB9F-FDD7-4756-9F17-22BE24D093EB}" type="datetimeFigureOut">
               <a:rPr lang="en-US" smtClean="0"/>
               <a:pPr/>
-              <a:t>5/27/2017</a:t>
+              <a:t>5/29/2017</a:t>
             </a:fld>
             <a:endParaRPr lang="en-US"/>
           </a:p>
@@ -6272,7 +6707,7 @@
     </p:spTree>
     <p:extLst>
       <p:ext uri="{BB962C8B-B14F-4D97-AF65-F5344CB8AC3E}">
-        <p14:creationId xmlns:p14="http://schemas.microsoft.com/office/powerpoint/2010/main" xmlns="" val="2729455114"/>
+        <p14:creationId xmlns="" xmlns:p14="http://schemas.microsoft.com/office/powerpoint/2010/main" val="2729455114"/>
       </p:ext>
     </p:extLst>
   </p:cSld>
@@ -6407,7 +6842,7 @@
             <a:fld id="{89A0AB9F-FDD7-4756-9F17-22BE24D093EB}" type="datetimeFigureOut">
               <a:rPr lang="en-US" smtClean="0"/>
               <a:pPr/>
-              <a:t>5/27/2017</a:t>
+              <a:t>5/29/2017</a:t>
             </a:fld>
             <a:endParaRPr lang="en-US"/>
           </a:p>
@@ -6459,7 +6894,7 @@
     </p:spTree>
     <p:extLst>
       <p:ext uri="{BB962C8B-B14F-4D97-AF65-F5344CB8AC3E}">
-        <p14:creationId xmlns:p14="http://schemas.microsoft.com/office/powerpoint/2010/main" xmlns="" val="3833408299"/>
+        <p14:creationId xmlns="" xmlns:p14="http://schemas.microsoft.com/office/powerpoint/2010/main" val="3833408299"/>
       </p:ext>
     </p:extLst>
   </p:cSld>
@@ -7381,7 +7816,7 @@
             <a:fld id="{89A0AB9F-FDD7-4756-9F17-22BE24D093EB}" type="datetimeFigureOut">
               <a:rPr lang="en-US" smtClean="0"/>
               <a:pPr/>
-              <a:t>5/27/2017</a:t>
+              <a:t>5/29/2017</a:t>
             </a:fld>
             <a:endParaRPr lang="en-US"/>
           </a:p>
@@ -7469,7 +7904,7 @@
     </p:spTree>
     <p:extLst>
       <p:ext uri="{BB962C8B-B14F-4D97-AF65-F5344CB8AC3E}">
-        <p14:creationId xmlns:p14="http://schemas.microsoft.com/office/powerpoint/2010/main" xmlns="" val="354694592"/>
+        <p14:creationId xmlns="" xmlns:p14="http://schemas.microsoft.com/office/powerpoint/2010/main" val="354694592"/>
       </p:ext>
     </p:extLst>
   </p:cSld>
@@ -7594,7 +8029,7 @@
             <a:fld id="{89A0AB9F-FDD7-4756-9F17-22BE24D093EB}" type="datetimeFigureOut">
               <a:rPr lang="en-US" smtClean="0"/>
               <a:pPr/>
-              <a:t>5/27/2017</a:t>
+              <a:t>5/29/2017</a:t>
             </a:fld>
             <a:endParaRPr lang="en-US"/>
           </a:p>
@@ -7646,7 +8081,7 @@
     </p:spTree>
     <p:extLst>
       <p:ext uri="{BB962C8B-B14F-4D97-AF65-F5344CB8AC3E}">
-        <p14:creationId xmlns:p14="http://schemas.microsoft.com/office/powerpoint/2010/main" xmlns="" val="295202953"/>
+        <p14:creationId xmlns="" xmlns:p14="http://schemas.microsoft.com/office/powerpoint/2010/main" val="295202953"/>
       </p:ext>
     </p:extLst>
   </p:cSld>
@@ -8630,7 +9065,7 @@
             <a:fld id="{89A0AB9F-FDD7-4756-9F17-22BE24D093EB}" type="datetimeFigureOut">
               <a:rPr lang="en-US" smtClean="0"/>
               <a:pPr/>
-              <a:t>5/27/2017</a:t>
+              <a:t>5/29/2017</a:t>
             </a:fld>
             <a:endParaRPr lang="en-US"/>
           </a:p>
@@ -8718,7 +9153,7 @@
     </p:spTree>
     <p:extLst>
       <p:ext uri="{BB962C8B-B14F-4D97-AF65-F5344CB8AC3E}">
-        <p14:creationId xmlns:p14="http://schemas.microsoft.com/office/powerpoint/2010/main" xmlns="" val="1786012200"/>
+        <p14:creationId xmlns="" xmlns:p14="http://schemas.microsoft.com/office/powerpoint/2010/main" val="1786012200"/>
       </p:ext>
     </p:extLst>
   </p:cSld>
@@ -8904,7 +9339,7 @@
             <a:fld id="{89A0AB9F-FDD7-4756-9F17-22BE24D093EB}" type="datetimeFigureOut">
               <a:rPr lang="en-US" smtClean="0"/>
               <a:pPr/>
-              <a:t>5/27/2017</a:t>
+              <a:t>5/29/2017</a:t>
             </a:fld>
             <a:endParaRPr lang="en-US"/>
           </a:p>
@@ -8956,7 +9391,7 @@
     </p:spTree>
     <p:extLst>
       <p:ext uri="{BB962C8B-B14F-4D97-AF65-F5344CB8AC3E}">
-        <p14:creationId xmlns:p14="http://schemas.microsoft.com/office/powerpoint/2010/main" xmlns="" val="2392077271"/>
+        <p14:creationId xmlns="" xmlns:p14="http://schemas.microsoft.com/office/powerpoint/2010/main" val="2392077271"/>
       </p:ext>
     </p:extLst>
   </p:cSld>
@@ -9316,7 +9751,7 @@
             <a:fld id="{89A0AB9F-FDD7-4756-9F17-22BE24D093EB}" type="datetimeFigureOut">
               <a:rPr lang="en-US" smtClean="0"/>
               <a:pPr/>
-              <a:t>5/27/2017</a:t>
+              <a:t>5/29/2017</a:t>
             </a:fld>
             <a:endParaRPr lang="en-US"/>
           </a:p>
@@ -9368,7 +9803,7 @@
     </p:spTree>
     <p:extLst>
       <p:ext uri="{BB962C8B-B14F-4D97-AF65-F5344CB8AC3E}">
-        <p14:creationId xmlns:p14="http://schemas.microsoft.com/office/powerpoint/2010/main" xmlns="" val="3003598"/>
+        <p14:creationId xmlns="" xmlns:p14="http://schemas.microsoft.com/office/powerpoint/2010/main" val="3003598"/>
       </p:ext>
     </p:extLst>
   </p:cSld>
@@ -9445,7 +9880,7 @@
             <a:fld id="{89A0AB9F-FDD7-4756-9F17-22BE24D093EB}" type="datetimeFigureOut">
               <a:rPr lang="en-US" smtClean="0"/>
               <a:pPr/>
-              <a:t>5/27/2017</a:t>
+              <a:t>5/29/2017</a:t>
             </a:fld>
             <a:endParaRPr lang="en-US"/>
           </a:p>
@@ -9497,7 +9932,7 @@
     </p:spTree>
     <p:extLst>
       <p:ext uri="{BB962C8B-B14F-4D97-AF65-F5344CB8AC3E}">
-        <p14:creationId xmlns:p14="http://schemas.microsoft.com/office/powerpoint/2010/main" xmlns="" val="3079560757"/>
+        <p14:creationId xmlns="" xmlns:p14="http://schemas.microsoft.com/office/powerpoint/2010/main" val="3079560757"/>
       </p:ext>
     </p:extLst>
   </p:cSld>
@@ -9542,7 +9977,7 @@
             <a:fld id="{89A0AB9F-FDD7-4756-9F17-22BE24D093EB}" type="datetimeFigureOut">
               <a:rPr lang="en-US" smtClean="0"/>
               <a:pPr/>
-              <a:t>5/27/2017</a:t>
+              <a:t>5/29/2017</a:t>
             </a:fld>
             <a:endParaRPr lang="en-US"/>
           </a:p>
@@ -9630,7 +10065,7 @@
     </p:spTree>
     <p:extLst>
       <p:ext uri="{BB962C8B-B14F-4D97-AF65-F5344CB8AC3E}">
-        <p14:creationId xmlns:p14="http://schemas.microsoft.com/office/powerpoint/2010/main" xmlns="" val="1461036617"/>
+        <p14:creationId xmlns="" xmlns:p14="http://schemas.microsoft.com/office/powerpoint/2010/main" val="1461036617"/>
       </p:ext>
     </p:extLst>
   </p:cSld>
@@ -10625,7 +11060,7 @@
             <a:fld id="{89A0AB9F-FDD7-4756-9F17-22BE24D093EB}" type="datetimeFigureOut">
               <a:rPr lang="en-US" smtClean="0"/>
               <a:pPr/>
-              <a:t>5/27/2017</a:t>
+              <a:t>5/29/2017</a:t>
             </a:fld>
             <a:endParaRPr lang="en-US"/>
           </a:p>
@@ -10713,7 +11148,7 @@
     </p:spTree>
     <p:extLst>
       <p:ext uri="{BB962C8B-B14F-4D97-AF65-F5344CB8AC3E}">
-        <p14:creationId xmlns:p14="http://schemas.microsoft.com/office/powerpoint/2010/main" xmlns="" val="282019298"/>
+        <p14:creationId xmlns="" xmlns:p14="http://schemas.microsoft.com/office/powerpoint/2010/main" val="282019298"/>
       </p:ext>
     </p:extLst>
   </p:cSld>
@@ -11735,7 +12170,7 @@
             <a:fld id="{89A0AB9F-FDD7-4756-9F17-22BE24D093EB}" type="datetimeFigureOut">
               <a:rPr lang="en-US" smtClean="0"/>
               <a:pPr/>
-              <a:t>5/27/2017</a:t>
+              <a:t>5/29/2017</a:t>
             </a:fld>
             <a:endParaRPr lang="en-US"/>
           </a:p>
@@ -11823,7 +12258,7 @@
     </p:spTree>
     <p:extLst>
       <p:ext uri="{BB962C8B-B14F-4D97-AF65-F5344CB8AC3E}">
-        <p14:creationId xmlns:p14="http://schemas.microsoft.com/office/powerpoint/2010/main" xmlns="" val="3920441199"/>
+        <p14:creationId xmlns="" xmlns:p14="http://schemas.microsoft.com/office/powerpoint/2010/main" val="3920441199"/>
       </p:ext>
     </p:extLst>
   </p:cSld>
@@ -12734,7 +13169,7 @@
             <a:fld id="{89A0AB9F-FDD7-4756-9F17-22BE24D093EB}" type="datetimeFigureOut">
               <a:rPr lang="en-US" smtClean="0"/>
               <a:pPr/>
-              <a:t>5/27/2017</a:t>
+              <a:t>5/29/2017</a:t>
             </a:fld>
             <a:endParaRPr lang="en-US"/>
           </a:p>
@@ -12854,7 +13289,7 @@
     </p:spTree>
     <p:extLst>
       <p:ext uri="{BB962C8B-B14F-4D97-AF65-F5344CB8AC3E}">
-        <p14:creationId xmlns:p14="http://schemas.microsoft.com/office/powerpoint/2010/main" xmlns="" val="3616661489"/>
+        <p14:creationId xmlns="" xmlns:p14="http://schemas.microsoft.com/office/powerpoint/2010/main" val="3616661489"/>
       </p:ext>
     </p:extLst>
   </p:cSld>
@@ -13411,7 +13846,7 @@
     </p:spTree>
     <p:extLst>
       <p:ext uri="{BB962C8B-B14F-4D97-AF65-F5344CB8AC3E}">
-        <p14:creationId xmlns:p14="http://schemas.microsoft.com/office/powerpoint/2010/main" xmlns="" val="3036959393"/>
+        <p14:creationId xmlns="" xmlns:p14="http://schemas.microsoft.com/office/powerpoint/2010/main" val="3036959393"/>
       </p:ext>
     </p:extLst>
   </p:cSld>
@@ -13450,7 +13885,7 @@
           <a:blip r:embed="rId2" cstate="print">
             <a:extLst>
               <a:ext uri="{28A0092B-C50C-407E-A947-70E740481C1C}">
-                <a14:useLocalDpi xmlns:a14="http://schemas.microsoft.com/office/drawing/2010/main" xmlns="" val="0"/>
+                <a14:useLocalDpi xmlns="" xmlns:a14="http://schemas.microsoft.com/office/drawing/2010/main" val="0"/>
               </a:ext>
             </a:extLst>
           </a:blip>
@@ -13470,7 +13905,7 @@
           <a:noFill/>
           <a:extLst>
             <a:ext uri="{909E8E84-426E-40DD-AFC4-6F175D3DCCD1}">
-              <a14:hiddenFill xmlns:a14="http://schemas.microsoft.com/office/drawing/2010/main" xmlns="">
+              <a14:hiddenFill xmlns="" xmlns:a14="http://schemas.microsoft.com/office/drawing/2010/main">
                 <a:solidFill>
                   <a:srgbClr val="FFFFFF"/>
                 </a:solidFill>
@@ -13482,7 +13917,7 @@
     </p:spTree>
     <p:extLst>
       <p:ext uri="{BB962C8B-B14F-4D97-AF65-F5344CB8AC3E}">
-        <p14:creationId xmlns:p14="http://schemas.microsoft.com/office/powerpoint/2010/main" xmlns="" val="2007831392"/>
+        <p14:creationId xmlns="" xmlns:p14="http://schemas.microsoft.com/office/powerpoint/2010/main" val="2007831392"/>
       </p:ext>
     </p:extLst>
   </p:cSld>
@@ -13658,7 +14093,7 @@
     </p:spTree>
     <p:extLst>
       <p:ext uri="{BB962C8B-B14F-4D97-AF65-F5344CB8AC3E}">
-        <p14:creationId xmlns:p14="http://schemas.microsoft.com/office/powerpoint/2010/main" xmlns="" val="4133174311"/>
+        <p14:creationId xmlns="" xmlns:p14="http://schemas.microsoft.com/office/powerpoint/2010/main" val="4133174311"/>
       </p:ext>
     </p:extLst>
   </p:cSld>
@@ -13702,11 +14137,7 @@
           <a:p>
             <a:r>
               <a:rPr lang="ro-RO" dirty="0" smtClean="0"/>
-              <a:t>User </a:t>
-            </a:r>
-            <a:r>
-              <a:rPr lang="ro-RO" dirty="0" smtClean="0"/>
-              <a:t>Stories</a:t>
+              <a:t>User Stories</a:t>
             </a:r>
             <a:endParaRPr lang="en-US" dirty="0"/>
           </a:p>
@@ -13797,11 +14228,7 @@
             <a:pPr lvl="2"/>
             <a:r>
               <a:rPr lang="ro-RO" dirty="0" smtClean="0"/>
-              <a:t>Să văd alți utilizatori </a:t>
-            </a:r>
-            <a:r>
-              <a:rPr lang="ro-RO" dirty="0" smtClean="0"/>
-              <a:t>inregistrați</a:t>
+              <a:t>Să văd alți utilizatori inregistrați</a:t>
             </a:r>
           </a:p>
           <a:p>
@@ -13861,7 +14288,7 @@
     </p:spTree>
     <p:extLst>
       <p:ext uri="{BB962C8B-B14F-4D97-AF65-F5344CB8AC3E}">
-        <p14:creationId xmlns:p14="http://schemas.microsoft.com/office/powerpoint/2010/main" xmlns="" val="2999846481"/>
+        <p14:creationId xmlns="" xmlns:p14="http://schemas.microsoft.com/office/powerpoint/2010/main" val="2999846481"/>
       </p:ext>
     </p:extLst>
   </p:cSld>
@@ -13960,6 +14387,298 @@
               <a:rPr lang="ro-RO" dirty="0" smtClean="0"/>
               <a:t>Pentru fiecare carte de joc  să existe câte o funcție specifică utilității ei</a:t>
             </a:r>
+          </a:p>
+        </p:txBody>
+      </p:sp>
+    </p:spTree>
+  </p:cSld>
+  <p:clrMapOvr>
+    <a:masterClrMapping/>
+  </p:clrMapOvr>
+</p:sld>
+</file>
+
+<file path=ppt/slides/slide6.xml><?xml version="1.0" encoding="utf-8"?>
+<p:sld xmlns:a="http://schemas.openxmlformats.org/drawingml/2006/main" xmlns:r="http://schemas.openxmlformats.org/officeDocument/2006/relationships" xmlns:p="http://schemas.openxmlformats.org/presentationml/2006/main">
+  <p:cSld>
+    <p:spTree>
+      <p:nvGrpSpPr>
+        <p:cNvPr id="1" name=""/>
+        <p:cNvGrpSpPr/>
+        <p:nvPr/>
+      </p:nvGrpSpPr>
+      <p:grpSpPr>
+        <a:xfrm>
+          <a:off x="0" y="0"/>
+          <a:ext cx="0" cy="0"/>
+          <a:chOff x="0" y="0"/>
+          <a:chExt cx="0" cy="0"/>
+        </a:xfrm>
+      </p:grpSpPr>
+      <p:sp>
+        <p:nvSpPr>
+          <p:cNvPr id="2" name="Title 1"/>
+          <p:cNvSpPr>
+            <a:spLocks noGrp="1"/>
+          </p:cNvSpPr>
+          <p:nvPr>
+            <p:ph type="title"/>
+          </p:nvPr>
+        </p:nvSpPr>
+        <p:spPr/>
+        <p:txBody>
+          <a:bodyPr/>
+          <a:lstStyle/>
+          <a:p>
+            <a:r>
+              <a:rPr lang="ro-RO" dirty="0" smtClean="0"/>
+              <a:t>UML</a:t>
+            </a:r>
+            <a:endParaRPr lang="ro-RO" dirty="0"/>
+          </a:p>
+        </p:txBody>
+      </p:sp>
+      <p:pic>
+        <p:nvPicPr>
+          <p:cNvPr id="4" name="Content Placeholder 3" descr="Document 1.png"/>
+          <p:cNvPicPr>
+            <a:picLocks noGrp="1" noChangeAspect="1"/>
+          </p:cNvPicPr>
+          <p:nvPr>
+            <p:ph idx="1"/>
+          </p:nvPr>
+        </p:nvPicPr>
+        <p:blipFill>
+          <a:blip r:embed="rId3" cstate="print"/>
+          <a:stretch>
+            <a:fillRect/>
+          </a:stretch>
+        </p:blipFill>
+        <p:spPr>
+          <a:xfrm>
+            <a:off x="725720" y="2546251"/>
+            <a:ext cx="10975697" cy="3186088"/>
+          </a:xfrm>
+        </p:spPr>
+      </p:pic>
+    </p:spTree>
+  </p:cSld>
+  <p:clrMapOvr>
+    <a:masterClrMapping/>
+  </p:clrMapOvr>
+</p:sld>
+</file>
+
+<file path=ppt/slides/slide7.xml><?xml version="1.0" encoding="utf-8"?>
+<p:sld xmlns:a="http://schemas.openxmlformats.org/drawingml/2006/main" xmlns:r="http://schemas.openxmlformats.org/officeDocument/2006/relationships" xmlns:p="http://schemas.openxmlformats.org/presentationml/2006/main">
+  <p:cSld>
+    <p:spTree>
+      <p:nvGrpSpPr>
+        <p:cNvPr id="1" name=""/>
+        <p:cNvGrpSpPr/>
+        <p:nvPr/>
+      </p:nvGrpSpPr>
+      <p:grpSpPr>
+        <a:xfrm>
+          <a:off x="0" y="0"/>
+          <a:ext cx="0" cy="0"/>
+          <a:chOff x="0" y="0"/>
+          <a:chExt cx="0" cy="0"/>
+        </a:xfrm>
+      </p:grpSpPr>
+      <p:sp>
+        <p:nvSpPr>
+          <p:cNvPr id="2" name="Title 1"/>
+          <p:cNvSpPr>
+            <a:spLocks noGrp="1"/>
+          </p:cNvSpPr>
+          <p:nvPr>
+            <p:ph type="title"/>
+          </p:nvPr>
+        </p:nvSpPr>
+        <p:spPr/>
+        <p:txBody>
+          <a:bodyPr/>
+          <a:lstStyle/>
+          <a:p>
+            <a:r>
+              <a:rPr lang="ro-RO" dirty="0" smtClean="0"/>
+              <a:t>Arhitectura PHP</a:t>
+            </a:r>
+            <a:endParaRPr lang="ro-RO" dirty="0"/>
+          </a:p>
+        </p:txBody>
+      </p:sp>
+    </p:spTree>
+  </p:cSld>
+  <p:clrMapOvr>
+    <a:masterClrMapping/>
+  </p:clrMapOvr>
+</p:sld>
+</file>
+
+<file path=ppt/slides/slide8.xml><?xml version="1.0" encoding="utf-8"?>
+<p:sld xmlns:a="http://schemas.openxmlformats.org/drawingml/2006/main" xmlns:r="http://schemas.openxmlformats.org/officeDocument/2006/relationships" xmlns:p="http://schemas.openxmlformats.org/presentationml/2006/main">
+  <p:cSld>
+    <p:spTree>
+      <p:nvGrpSpPr>
+        <p:cNvPr id="1" name=""/>
+        <p:cNvGrpSpPr/>
+        <p:nvPr/>
+      </p:nvGrpSpPr>
+      <p:grpSpPr>
+        <a:xfrm>
+          <a:off x="0" y="0"/>
+          <a:ext cx="0" cy="0"/>
+          <a:chOff x="0" y="0"/>
+          <a:chExt cx="0" cy="0"/>
+        </a:xfrm>
+      </p:grpSpPr>
+      <p:pic>
+        <p:nvPicPr>
+          <p:cNvPr id="2" name="Content Placeholder 3" descr="18767119_1269358539828496_1688988116_o.png"/>
+          <p:cNvPicPr>
+            <a:picLocks noChangeAspect="1"/>
+          </p:cNvPicPr>
+          <p:nvPr/>
+        </p:nvPicPr>
+        <p:blipFill>
+          <a:blip r:embed="rId2" cstate="print"/>
+          <a:stretch>
+            <a:fillRect/>
+          </a:stretch>
+        </p:blipFill>
+        <p:spPr>
+          <a:xfrm>
+            <a:off x="814362" y="491488"/>
+            <a:ext cx="10622673" cy="5975254"/>
+          </a:xfrm>
+          <a:prstGeom prst="rect">
+            <a:avLst/>
+          </a:prstGeom>
+        </p:spPr>
+      </p:pic>
+    </p:spTree>
+  </p:cSld>
+  <p:clrMapOvr>
+    <a:masterClrMapping/>
+  </p:clrMapOvr>
+</p:sld>
+</file>
+
+<file path=ppt/slides/slide9.xml><?xml version="1.0" encoding="utf-8"?>
+<p:sld xmlns:a="http://schemas.openxmlformats.org/drawingml/2006/main" xmlns:r="http://schemas.openxmlformats.org/officeDocument/2006/relationships" xmlns:p="http://schemas.openxmlformats.org/presentationml/2006/main">
+  <p:cSld>
+    <p:spTree>
+      <p:nvGrpSpPr>
+        <p:cNvPr id="1" name=""/>
+        <p:cNvGrpSpPr/>
+        <p:nvPr/>
+      </p:nvGrpSpPr>
+      <p:grpSpPr>
+        <a:xfrm>
+          <a:off x="0" y="0"/>
+          <a:ext cx="0" cy="0"/>
+          <a:chOff x="0" y="0"/>
+          <a:chExt cx="0" cy="0"/>
+        </a:xfrm>
+      </p:grpSpPr>
+      <p:sp>
+        <p:nvSpPr>
+          <p:cNvPr id="2" name="Title 1"/>
+          <p:cNvSpPr>
+            <a:spLocks noGrp="1"/>
+          </p:cNvSpPr>
+          <p:nvPr>
+            <p:ph type="title"/>
+          </p:nvPr>
+        </p:nvSpPr>
+        <p:spPr/>
+        <p:txBody>
+          <a:bodyPr/>
+          <a:lstStyle/>
+          <a:p>
+            <a:r>
+              <a:rPr lang="ro-RO" dirty="0" smtClean="0"/>
+              <a:t>Design Patterns</a:t>
+            </a:r>
+            <a:endParaRPr lang="ro-RO" dirty="0"/>
+          </a:p>
+        </p:txBody>
+      </p:sp>
+      <p:sp>
+        <p:nvSpPr>
+          <p:cNvPr id="3" name="TextBox 2"/>
+          <p:cNvSpPr txBox="1"/>
+          <p:nvPr/>
+        </p:nvSpPr>
+        <p:spPr>
+          <a:xfrm>
+            <a:off x="731518" y="2208628"/>
+            <a:ext cx="4586068" cy="523220"/>
+          </a:xfrm>
+          <a:prstGeom prst="rect">
+            <a:avLst/>
+          </a:prstGeom>
+          <a:noFill/>
+        </p:spPr>
+        <p:txBody>
+          <a:bodyPr wrap="square" rtlCol="0">
+            <a:spAutoFit/>
+          </a:bodyPr>
+          <a:lstStyle/>
+          <a:p>
+            <a:r>
+              <a:rPr lang="ro-RO" sz="2800" b="1" dirty="0" smtClean="0"/>
+              <a:t>The Constructor Pattern</a:t>
+            </a:r>
+            <a:endParaRPr lang="ro-RO" sz="2800" b="1" dirty="0"/>
+          </a:p>
+        </p:txBody>
+      </p:sp>
+      <p:sp>
+        <p:nvSpPr>
+          <p:cNvPr id="4" name="TextBox 3"/>
+          <p:cNvSpPr txBox="1"/>
+          <p:nvPr/>
+        </p:nvSpPr>
+        <p:spPr>
+          <a:xfrm>
+            <a:off x="312271" y="3393140"/>
+            <a:ext cx="11563927" cy="1200329"/>
+          </a:xfrm>
+          <a:prstGeom prst="rect">
+            <a:avLst/>
+          </a:prstGeom>
+          <a:noFill/>
+        </p:spPr>
+        <p:txBody>
+          <a:bodyPr wrap="square" rtlCol="0">
+            <a:spAutoFit/>
+          </a:bodyPr>
+          <a:lstStyle/>
+          <a:p>
+            <a:pPr fontAlgn="base"/>
+            <a:r>
+              <a:rPr lang="en-US" b="1" dirty="0" smtClean="0"/>
+              <a:t>Constructors With Prototypes</a:t>
+            </a:r>
+          </a:p>
+          <a:p>
+            <a:pPr fontAlgn="base"/>
+            <a:r>
+              <a:rPr lang="en-US" dirty="0" smtClean="0"/>
+              <a:t>Functions, like almost all objects in JavaScript, contain a "prototype" object. When we call a JavaScript constructor to create an object, all the properties of the constructor's prototype are then made available to the new </a:t>
+            </a:r>
+            <a:r>
+              <a:rPr lang="en-US" dirty="0" smtClean="0"/>
+              <a:t>object</a:t>
+            </a:r>
+            <a:r>
+              <a:rPr lang="ro-RO" dirty="0" smtClean="0"/>
+              <a:t>.</a:t>
+            </a:r>
+            <a:endParaRPr lang="ro-RO" dirty="0"/>
           </a:p>
         </p:txBody>
       </p:sp>
@@ -14229,8 +14948,291 @@
   <a:extraClrSchemeLst/>
   <a:extLst>
     <a:ext uri="{05A4C25C-085E-4340-85A3-A5531E510DB2}">
-      <thm15:themeFamily xmlns:thm15="http://schemas.microsoft.com/office/thememl/2012/main" xmlns="" name="Ion Boardroom" id="{FC33163D-4339-46B1-8EED-24C834239D99}" vid="{B8502691-933B-45FE-8764-BA278511EF27}"/>
+      <thm15:themeFamily xmlns="" xmlns:thm15="http://schemas.microsoft.com/office/thememl/2012/main" name="Ion Boardroom" id="{FC33163D-4339-46B1-8EED-24C834239D99}" vid="{B8502691-933B-45FE-8764-BA278511EF27}"/>
     </a:ext>
   </a:extLst>
 </a:theme>
+</file>
+
+<file path=ppt/theme/theme2.xml><?xml version="1.0" encoding="utf-8"?>
+<a:theme xmlns:a="http://schemas.openxmlformats.org/drawingml/2006/main" name="Office Theme">
+  <a:themeElements>
+    <a:clrScheme name="Office">
+      <a:dk1>
+        <a:sysClr val="windowText" lastClr="000000"/>
+      </a:dk1>
+      <a:lt1>
+        <a:sysClr val="window" lastClr="FFFFFF"/>
+      </a:lt1>
+      <a:dk2>
+        <a:srgbClr val="1F497D"/>
+      </a:dk2>
+      <a:lt2>
+        <a:srgbClr val="EEECE1"/>
+      </a:lt2>
+      <a:accent1>
+        <a:srgbClr val="4F81BD"/>
+      </a:accent1>
+      <a:accent2>
+        <a:srgbClr val="C0504D"/>
+      </a:accent2>
+      <a:accent3>
+        <a:srgbClr val="9BBB59"/>
+      </a:accent3>
+      <a:accent4>
+        <a:srgbClr val="8064A2"/>
+      </a:accent4>
+      <a:accent5>
+        <a:srgbClr val="4BACC6"/>
+      </a:accent5>
+      <a:accent6>
+        <a:srgbClr val="F79646"/>
+      </a:accent6>
+      <a:hlink>
+        <a:srgbClr val="0000FF"/>
+      </a:hlink>
+      <a:folHlink>
+        <a:srgbClr val="800080"/>
+      </a:folHlink>
+    </a:clrScheme>
+    <a:fontScheme name="Office">
+      <a:majorFont>
+        <a:latin typeface="Calibri"/>
+        <a:ea typeface=""/>
+        <a:cs typeface=""/>
+        <a:font script="Jpan" typeface="ＭＳ Ｐゴシック"/>
+        <a:font script="Hang" typeface="맑은 고딕"/>
+        <a:font script="Hans" typeface="宋体"/>
+        <a:font script="Hant" typeface="新細明體"/>
+        <a:font script="Arab" typeface="Times New Roman"/>
+        <a:font script="Hebr" typeface="Times New Roman"/>
+        <a:font script="Thai" typeface="Angsana New"/>
+        <a:font script="Ethi" typeface="Nyala"/>
+        <a:font script="Beng" typeface="Vrinda"/>
+        <a:font script="Gujr" typeface="Shruti"/>
+        <a:font script="Khmr" typeface="MoolBoran"/>
+        <a:font script="Knda" typeface="Tunga"/>
+        <a:font script="Guru" typeface="Raavi"/>
+        <a:font script="Cans" typeface="Euphemia"/>
+        <a:font script="Cher" typeface="Plantagenet Cherokee"/>
+        <a:font script="Yiii" typeface="Microsoft Yi Baiti"/>
+        <a:font script="Tibt" typeface="Microsoft Himalaya"/>
+        <a:font script="Thaa" typeface="MV Boli"/>
+        <a:font script="Deva" typeface="Mangal"/>
+        <a:font script="Telu" typeface="Gautami"/>
+        <a:font script="Taml" typeface="Latha"/>
+        <a:font script="Syrc" typeface="Estrangelo Edessa"/>
+        <a:font script="Orya" typeface="Kalinga"/>
+        <a:font script="Mlym" typeface="Kartika"/>
+        <a:font script="Laoo" typeface="DokChampa"/>
+        <a:font script="Sinh" typeface="Iskoola Pota"/>
+        <a:font script="Mong" typeface="Mongolian Baiti"/>
+        <a:font script="Viet" typeface="Times New Roman"/>
+        <a:font script="Uigh" typeface="Microsoft Uighur"/>
+      </a:majorFont>
+      <a:minorFont>
+        <a:latin typeface="Calibri"/>
+        <a:ea typeface=""/>
+        <a:cs typeface=""/>
+        <a:font script="Jpan" typeface="ＭＳ Ｐゴシック"/>
+        <a:font script="Hang" typeface="맑은 고딕"/>
+        <a:font script="Hans" typeface="宋体"/>
+        <a:font script="Hant" typeface="新細明體"/>
+        <a:font script="Arab" typeface="Arial"/>
+        <a:font script="Hebr" typeface="Arial"/>
+        <a:font script="Thai" typeface="Cordia New"/>
+        <a:font script="Ethi" typeface="Nyala"/>
+        <a:font script="Beng" typeface="Vrinda"/>
+        <a:font script="Gujr" typeface="Shruti"/>
+        <a:font script="Khmr" typeface="DaunPenh"/>
+        <a:font script="Knda" typeface="Tunga"/>
+        <a:font script="Guru" typeface="Raavi"/>
+        <a:font script="Cans" typeface="Euphemia"/>
+        <a:font script="Cher" typeface="Plantagenet Cherokee"/>
+        <a:font script="Yiii" typeface="Microsoft Yi Baiti"/>
+        <a:font script="Tibt" typeface="Microsoft Himalaya"/>
+        <a:font script="Thaa" typeface="MV Boli"/>
+        <a:font script="Deva" typeface="Mangal"/>
+        <a:font script="Telu" typeface="Gautami"/>
+        <a:font script="Taml" typeface="Latha"/>
+        <a:font script="Syrc" typeface="Estrangelo Edessa"/>
+        <a:font script="Orya" typeface="Kalinga"/>
+        <a:font script="Mlym" typeface="Kartika"/>
+        <a:font script="Laoo" typeface="DokChampa"/>
+        <a:font script="Sinh" typeface="Iskoola Pota"/>
+        <a:font script="Mong" typeface="Mongolian Baiti"/>
+        <a:font script="Viet" typeface="Arial"/>
+        <a:font script="Uigh" typeface="Microsoft Uighur"/>
+      </a:minorFont>
+    </a:fontScheme>
+    <a:fmtScheme name="Office">
+      <a:fillStyleLst>
+        <a:solidFill>
+          <a:schemeClr val="phClr"/>
+        </a:solidFill>
+        <a:gradFill rotWithShape="1">
+          <a:gsLst>
+            <a:gs pos="0">
+              <a:schemeClr val="phClr">
+                <a:tint val="50000"/>
+                <a:satMod val="300000"/>
+              </a:schemeClr>
+            </a:gs>
+            <a:gs pos="35000">
+              <a:schemeClr val="phClr">
+                <a:tint val="37000"/>
+                <a:satMod val="300000"/>
+              </a:schemeClr>
+            </a:gs>
+            <a:gs pos="100000">
+              <a:schemeClr val="phClr">
+                <a:tint val="15000"/>
+                <a:satMod val="350000"/>
+              </a:schemeClr>
+            </a:gs>
+          </a:gsLst>
+          <a:lin ang="16200000" scaled="1"/>
+        </a:gradFill>
+        <a:gradFill rotWithShape="1">
+          <a:gsLst>
+            <a:gs pos="0">
+              <a:schemeClr val="phClr">
+                <a:shade val="51000"/>
+                <a:satMod val="130000"/>
+              </a:schemeClr>
+            </a:gs>
+            <a:gs pos="80000">
+              <a:schemeClr val="phClr">
+                <a:shade val="93000"/>
+                <a:satMod val="130000"/>
+              </a:schemeClr>
+            </a:gs>
+            <a:gs pos="100000">
+              <a:schemeClr val="phClr">
+                <a:shade val="94000"/>
+                <a:satMod val="135000"/>
+              </a:schemeClr>
+            </a:gs>
+          </a:gsLst>
+          <a:lin ang="16200000" scaled="0"/>
+        </a:gradFill>
+      </a:fillStyleLst>
+      <a:lnStyleLst>
+        <a:ln w="9525" cap="flat" cmpd="sng" algn="ctr">
+          <a:solidFill>
+            <a:schemeClr val="phClr">
+              <a:shade val="95000"/>
+              <a:satMod val="105000"/>
+            </a:schemeClr>
+          </a:solidFill>
+          <a:prstDash val="solid"/>
+        </a:ln>
+        <a:ln w="25400" cap="flat" cmpd="sng" algn="ctr">
+          <a:solidFill>
+            <a:schemeClr val="phClr"/>
+          </a:solidFill>
+          <a:prstDash val="solid"/>
+        </a:ln>
+        <a:ln w="38100" cap="flat" cmpd="sng" algn="ctr">
+          <a:solidFill>
+            <a:schemeClr val="phClr"/>
+          </a:solidFill>
+          <a:prstDash val="solid"/>
+        </a:ln>
+      </a:lnStyleLst>
+      <a:effectStyleLst>
+        <a:effectStyle>
+          <a:effectLst>
+            <a:outerShdw blurRad="40000" dist="20000" dir="5400000" rotWithShape="0">
+              <a:srgbClr val="000000">
+                <a:alpha val="38000"/>
+              </a:srgbClr>
+            </a:outerShdw>
+          </a:effectLst>
+        </a:effectStyle>
+        <a:effectStyle>
+          <a:effectLst>
+            <a:outerShdw blurRad="40000" dist="23000" dir="5400000" rotWithShape="0">
+              <a:srgbClr val="000000">
+                <a:alpha val="35000"/>
+              </a:srgbClr>
+            </a:outerShdw>
+          </a:effectLst>
+        </a:effectStyle>
+        <a:effectStyle>
+          <a:effectLst>
+            <a:outerShdw blurRad="40000" dist="23000" dir="5400000" rotWithShape="0">
+              <a:srgbClr val="000000">
+                <a:alpha val="35000"/>
+              </a:srgbClr>
+            </a:outerShdw>
+          </a:effectLst>
+          <a:scene3d>
+            <a:camera prst="orthographicFront">
+              <a:rot lat="0" lon="0" rev="0"/>
+            </a:camera>
+            <a:lightRig rig="threePt" dir="t">
+              <a:rot lat="0" lon="0" rev="1200000"/>
+            </a:lightRig>
+          </a:scene3d>
+          <a:sp3d>
+            <a:bevelT w="63500" h="25400"/>
+          </a:sp3d>
+        </a:effectStyle>
+      </a:effectStyleLst>
+      <a:bgFillStyleLst>
+        <a:solidFill>
+          <a:schemeClr val="phClr"/>
+        </a:solidFill>
+        <a:gradFill rotWithShape="1">
+          <a:gsLst>
+            <a:gs pos="0">
+              <a:schemeClr val="phClr">
+                <a:tint val="40000"/>
+                <a:satMod val="350000"/>
+              </a:schemeClr>
+            </a:gs>
+            <a:gs pos="40000">
+              <a:schemeClr val="phClr">
+                <a:tint val="45000"/>
+                <a:shade val="99000"/>
+                <a:satMod val="350000"/>
+              </a:schemeClr>
+            </a:gs>
+            <a:gs pos="100000">
+              <a:schemeClr val="phClr">
+                <a:shade val="20000"/>
+                <a:satMod val="255000"/>
+              </a:schemeClr>
+            </a:gs>
+          </a:gsLst>
+          <a:path path="circle">
+            <a:fillToRect l="50000" t="-80000" r="50000" b="180000"/>
+          </a:path>
+        </a:gradFill>
+        <a:gradFill rotWithShape="1">
+          <a:gsLst>
+            <a:gs pos="0">
+              <a:schemeClr val="phClr">
+                <a:tint val="80000"/>
+                <a:satMod val="300000"/>
+              </a:schemeClr>
+            </a:gs>
+            <a:gs pos="100000">
+              <a:schemeClr val="phClr">
+                <a:shade val="30000"/>
+                <a:satMod val="200000"/>
+              </a:schemeClr>
+            </a:gs>
+          </a:gsLst>
+          <a:path path="circle">
+            <a:fillToRect l="50000" t="50000" r="50000" b="50000"/>
+          </a:path>
+        </a:gradFill>
+      </a:bgFillStyleLst>
+    </a:fmtScheme>
+  </a:themeElements>
+  <a:objectDefaults/>
+  <a:extraClrSchemeLst/>
+</a:theme>
 </file>